--- a/GROUP 4-Presentation.pptx
+++ b/GROUP 4-Presentation.pptx
@@ -11,7 +11,7 @@
     <p:sldId id="446" r:id="rId2"/>
     <p:sldId id="470" r:id="rId3"/>
     <p:sldId id="447" r:id="rId4"/>
-    <p:sldId id="481" r:id="rId5"/>
+    <p:sldId id="482" r:id="rId5"/>
     <p:sldId id="455" r:id="rId6"/>
     <p:sldId id="468" r:id="rId7"/>
     <p:sldId id="454" r:id="rId8"/>
@@ -136,6 +136,9 @@
 <p1510:revInfo xmlns:a="http://schemas.openxmlformats.org/drawingml/2006/main" xmlns:r="http://schemas.openxmlformats.org/officeDocument/2006/relationships" xmlns:p1510="http://schemas.microsoft.com/office/powerpoint/2015/10/main">
   <p1510:revLst>
     <p1510:client id="{904CF58C-837F-4A6D-270F-AFC1B592B087}" v="157" dt="2023-09-24T10:25:02.240"/>
+    <p1510:client id="{A5E8C1A1-655F-6FD6-84F9-15E200E8BD06}" v="132" dt="2023-09-24T21:29:00.298"/>
+    <p1510:client id="{DB20FAFA-95D2-029B-0F09-45095ED16BFD}" v="6" dt="2023-09-24T22:44:50.515"/>
+    <p1510:client id="{EFE76F4B-C9EA-52BE-1026-8AC2F2809511}" v="62" dt="2023-09-24T21:03:50.114"/>
   </p1510:revLst>
 </p1510:revInfo>
 </file>
@@ -1598,7 +1601,7 @@
     </p:spTree>
     <p:extLst>
       <p:ext uri="{BB962C8B-B14F-4D97-AF65-F5344CB8AC3E}">
-        <p14:creationId xmlns:p14="http://schemas.microsoft.com/office/powerpoint/2010/main" val="3381168962"/>
+        <p14:creationId xmlns:p14="http://schemas.microsoft.com/office/powerpoint/2010/main" val="2848480434"/>
       </p:ext>
     </p:extLst>
   </p:cSld>
@@ -2217,7 +2220,7 @@
               <a:rPr lang="en-GB"/>
               <a:t>Click to edit Master title style</a:t>
             </a:r>
-            <a:endParaRPr lang="en-US" dirty="0"/>
+            <a:endParaRPr lang="en-US"/>
           </a:p>
         </p:txBody>
       </p:sp>
@@ -2337,7 +2340,7 @@
               <a:rPr lang="en-GB"/>
               <a:t>Click to edit Master subtitle style</a:t>
             </a:r>
-            <a:endParaRPr lang="en-US" dirty="0"/>
+            <a:endParaRPr lang="en-US"/>
           </a:p>
         </p:txBody>
       </p:sp>
@@ -2376,7 +2379,7 @@
               <a:pPr/>
               <a:t>9/24/2023</a:t>
             </a:fld>
-            <a:endParaRPr lang="en-US" dirty="0"/>
+            <a:endParaRPr lang="en-US"/>
           </a:p>
         </p:txBody>
       </p:sp>
@@ -2410,7 +2413,7 @@
             </a:lvl1pPr>
           </a:lstStyle>
           <a:p>
-            <a:endParaRPr lang="en-US" dirty="0"/>
+            <a:endParaRPr lang="en-US"/>
           </a:p>
         </p:txBody>
       </p:sp>
@@ -2475,7 +2478,7 @@
               <a:pPr/>
               <a:t>‹#›</a:t>
             </a:fld>
-            <a:endParaRPr lang="en-US" dirty="0"/>
+            <a:endParaRPr lang="en-US"/>
           </a:p>
         </p:txBody>
       </p:sp>
@@ -3284,7 +3287,7 @@
               <a:rPr lang="en-GB"/>
               <a:t>Click to edit Master title style</a:t>
             </a:r>
-            <a:endParaRPr lang="en-US" dirty="0"/>
+            <a:endParaRPr lang="en-US"/>
           </a:p>
         </p:txBody>
       </p:sp>
@@ -3363,7 +3366,7 @@
               <a:rPr lang="en-GB"/>
               <a:t>Click icon to add picture</a:t>
             </a:r>
-            <a:endParaRPr lang="en-US" dirty="0"/>
+            <a:endParaRPr lang="en-US"/>
           </a:p>
         </p:txBody>
       </p:sp>
@@ -3460,7 +3463,7 @@
               <a:rPr lang="en-US" dirty="0"/>
               <a:t>9/24/2023</a:t>
             </a:fld>
-            <a:endParaRPr lang="en-US" dirty="0"/>
+            <a:endParaRPr lang="en-US"/>
           </a:p>
         </p:txBody>
       </p:sp>
@@ -3479,7 +3482,7 @@
           <a:bodyPr/>
           <a:lstStyle/>
           <a:p>
-            <a:endParaRPr lang="en-US" dirty="0"/>
+            <a:endParaRPr lang="en-US"/>
           </a:p>
         </p:txBody>
       </p:sp>
@@ -3539,7 +3542,7 @@
               <a:pPr/>
               <a:t>‹#›</a:t>
             </a:fld>
-            <a:endParaRPr lang="en-US" dirty="0"/>
+            <a:endParaRPr lang="en-US"/>
           </a:p>
         </p:txBody>
       </p:sp>
@@ -4346,7 +4349,7 @@
               <a:rPr lang="en-GB"/>
               <a:t>Click to edit Master title style</a:t>
             </a:r>
-            <a:endParaRPr lang="en-US" dirty="0"/>
+            <a:endParaRPr lang="en-US"/>
           </a:p>
         </p:txBody>
       </p:sp>
@@ -4436,7 +4439,7 @@
               <a:rPr lang="en-US" dirty="0"/>
               <a:t>9/24/2023</a:t>
             </a:fld>
-            <a:endParaRPr lang="en-US" dirty="0"/>
+            <a:endParaRPr lang="en-US"/>
           </a:p>
         </p:txBody>
       </p:sp>
@@ -4455,7 +4458,7 @@
           <a:bodyPr/>
           <a:lstStyle/>
           <a:p>
-            <a:endParaRPr lang="en-US" dirty="0"/>
+            <a:endParaRPr lang="en-US"/>
           </a:p>
         </p:txBody>
       </p:sp>
@@ -4515,7 +4518,7 @@
               <a:pPr/>
               <a:t>‹#›</a:t>
             </a:fld>
-            <a:endParaRPr lang="en-US" dirty="0"/>
+            <a:endParaRPr lang="en-US"/>
           </a:p>
         </p:txBody>
       </p:sp>
@@ -5318,7 +5321,7 @@
           <a:p>
             <a:pPr algn="r"/>
             <a:r>
-              <a:rPr lang="en-US" sz="9600" b="0" i="0" dirty="0">
+              <a:rPr lang="en-US" sz="9600" b="0" i="0">
                 <a:solidFill>
                   <a:schemeClr val="accent1">
                     <a:lumMod val="60000"/>
@@ -5357,7 +5360,7 @@
           <a:p>
             <a:pPr algn="r"/>
             <a:r>
-              <a:rPr lang="en-US" sz="9600" b="0" i="0" dirty="0">
+              <a:rPr lang="en-US" sz="9600" b="0" i="0">
                 <a:solidFill>
                   <a:schemeClr val="accent1">
                     <a:lumMod val="60000"/>
@@ -5400,7 +5403,7 @@
               <a:rPr lang="en-GB"/>
               <a:t>Click to edit Master title style</a:t>
             </a:r>
-            <a:endParaRPr lang="en-US" dirty="0"/>
+            <a:endParaRPr lang="en-US"/>
           </a:p>
         </p:txBody>
       </p:sp>
@@ -5566,7 +5569,7 @@
               <a:rPr lang="en-US" dirty="0"/>
               <a:t>9/24/2023</a:t>
             </a:fld>
-            <a:endParaRPr lang="en-US" dirty="0"/>
+            <a:endParaRPr lang="en-US"/>
           </a:p>
         </p:txBody>
       </p:sp>
@@ -5585,7 +5588,7 @@
           <a:bodyPr/>
           <a:lstStyle/>
           <a:p>
-            <a:endParaRPr lang="en-US" dirty="0"/>
+            <a:endParaRPr lang="en-US"/>
           </a:p>
         </p:txBody>
       </p:sp>
@@ -5645,7 +5648,7 @@
               <a:pPr/>
               <a:t>‹#›</a:t>
             </a:fld>
-            <a:endParaRPr lang="en-US" dirty="0"/>
+            <a:endParaRPr lang="en-US"/>
           </a:p>
         </p:txBody>
       </p:sp>
@@ -6452,7 +6455,7 @@
               <a:rPr lang="en-GB"/>
               <a:t>Click to edit Master title style</a:t>
             </a:r>
-            <a:endParaRPr lang="en-US" dirty="0"/>
+            <a:endParaRPr lang="en-US"/>
           </a:p>
         </p:txBody>
       </p:sp>
@@ -6595,7 +6598,7 @@
               <a:rPr lang="en-US" dirty="0"/>
               <a:t>9/24/2023</a:t>
             </a:fld>
-            <a:endParaRPr lang="en-US" dirty="0"/>
+            <a:endParaRPr lang="en-US"/>
           </a:p>
         </p:txBody>
       </p:sp>
@@ -6614,7 +6617,7 @@
           <a:bodyPr/>
           <a:lstStyle/>
           <a:p>
-            <a:endParaRPr lang="en-US" dirty="0"/>
+            <a:endParaRPr lang="en-US"/>
           </a:p>
         </p:txBody>
       </p:sp>
@@ -6674,7 +6677,7 @@
               <a:pPr/>
               <a:t>‹#›</a:t>
             </a:fld>
-            <a:endParaRPr lang="en-US" dirty="0"/>
+            <a:endParaRPr lang="en-US"/>
           </a:p>
         </p:txBody>
       </p:sp>
@@ -6731,7 +6734,7 @@
               <a:rPr lang="en-GB"/>
               <a:t>Click to edit Master title style</a:t>
             </a:r>
-            <a:endParaRPr lang="en-US" dirty="0"/>
+            <a:endParaRPr lang="en-US"/>
           </a:p>
         </p:txBody>
       </p:sp>
@@ -7251,7 +7254,7 @@
               <a:rPr lang="en-US" dirty="0"/>
               <a:t>9/24/2023</a:t>
             </a:fld>
-            <a:endParaRPr lang="en-US" dirty="0"/>
+            <a:endParaRPr lang="en-US"/>
           </a:p>
         </p:txBody>
       </p:sp>
@@ -7270,7 +7273,7 @@
           <a:bodyPr/>
           <a:lstStyle/>
           <a:p>
-            <a:endParaRPr lang="en-US" dirty="0"/>
+            <a:endParaRPr lang="en-US"/>
           </a:p>
         </p:txBody>
       </p:sp>
@@ -7294,7 +7297,7 @@
               <a:pPr/>
               <a:t>‹#›</a:t>
             </a:fld>
-            <a:endParaRPr lang="en-US" dirty="0"/>
+            <a:endParaRPr lang="en-US"/>
           </a:p>
         </p:txBody>
       </p:sp>
@@ -7351,7 +7354,7 @@
               <a:rPr lang="en-GB"/>
               <a:t>Click to edit Master title style</a:t>
             </a:r>
-            <a:endParaRPr lang="en-US" dirty="0"/>
+            <a:endParaRPr lang="en-US"/>
           </a:p>
         </p:txBody>
       </p:sp>
@@ -7504,7 +7507,7 @@
               <a:rPr lang="en-GB"/>
               <a:t>Click icon to add picture</a:t>
             </a:r>
-            <a:endParaRPr lang="en-US" dirty="0"/>
+            <a:endParaRPr lang="en-US"/>
           </a:p>
         </p:txBody>
       </p:sp>
@@ -7724,7 +7727,7 @@
               <a:rPr lang="en-GB"/>
               <a:t>Click icon to add picture</a:t>
             </a:r>
-            <a:endParaRPr lang="en-US" dirty="0"/>
+            <a:endParaRPr lang="en-US"/>
           </a:p>
         </p:txBody>
       </p:sp>
@@ -7944,7 +7947,7 @@
               <a:rPr lang="en-GB"/>
               <a:t>Click icon to add picture</a:t>
             </a:r>
-            <a:endParaRPr lang="en-US" dirty="0"/>
+            <a:endParaRPr lang="en-US"/>
           </a:p>
         </p:txBody>
       </p:sp>
@@ -8108,7 +8111,7 @@
               <a:rPr lang="en-US" dirty="0"/>
               <a:t>9/24/2023</a:t>
             </a:fld>
-            <a:endParaRPr lang="en-US" dirty="0"/>
+            <a:endParaRPr lang="en-US"/>
           </a:p>
         </p:txBody>
       </p:sp>
@@ -8132,7 +8135,7 @@
           <a:bodyPr/>
           <a:lstStyle/>
           <a:p>
-            <a:endParaRPr lang="en-US" dirty="0"/>
+            <a:endParaRPr lang="en-US"/>
           </a:p>
         </p:txBody>
       </p:sp>
@@ -8156,7 +8159,7 @@
               <a:pPr/>
               <a:t>‹#›</a:t>
             </a:fld>
-            <a:endParaRPr lang="en-US" dirty="0"/>
+            <a:endParaRPr lang="en-US"/>
           </a:p>
         </p:txBody>
       </p:sp>
@@ -8209,7 +8212,7 @@
               <a:rPr lang="en-GB"/>
               <a:t>Click to edit Master title style</a:t>
             </a:r>
-            <a:endParaRPr lang="en-US" dirty="0"/>
+            <a:endParaRPr lang="en-US"/>
           </a:p>
         </p:txBody>
       </p:sp>
@@ -8266,7 +8269,7 @@
               <a:rPr lang="en-GB"/>
               <a:t>Fifth level</a:t>
             </a:r>
-            <a:endParaRPr lang="en-US" dirty="0"/>
+            <a:endParaRPr lang="en-US"/>
           </a:p>
         </p:txBody>
       </p:sp>
@@ -8294,7 +8297,7 @@
               <a:rPr lang="en-US" dirty="0"/>
               <a:t>9/24/2023</a:t>
             </a:fld>
-            <a:endParaRPr lang="en-US" dirty="0"/>
+            <a:endParaRPr lang="en-US"/>
           </a:p>
         </p:txBody>
       </p:sp>
@@ -8313,7 +8316,7 @@
           <a:bodyPr/>
           <a:lstStyle/>
           <a:p>
-            <a:endParaRPr lang="en-US" dirty="0"/>
+            <a:endParaRPr lang="en-US"/>
           </a:p>
         </p:txBody>
       </p:sp>
@@ -8337,7 +8340,7 @@
               <a:pPr/>
               <a:t>‹#›</a:t>
             </a:fld>
-            <a:endParaRPr lang="en-US" dirty="0"/>
+            <a:endParaRPr lang="en-US"/>
           </a:p>
         </p:txBody>
       </p:sp>
@@ -9177,7 +9180,7 @@
               <a:rPr lang="en-GB"/>
               <a:t>Click to edit Master title style</a:t>
             </a:r>
-            <a:endParaRPr lang="en-US" dirty="0"/>
+            <a:endParaRPr lang="en-US"/>
           </a:p>
         </p:txBody>
       </p:sp>
@@ -9234,7 +9237,7 @@
               <a:rPr lang="en-GB"/>
               <a:t>Fifth level</a:t>
             </a:r>
-            <a:endParaRPr lang="en-US" dirty="0"/>
+            <a:endParaRPr lang="en-US"/>
           </a:p>
         </p:txBody>
       </p:sp>
@@ -9262,7 +9265,7 @@
               <a:rPr lang="en-US" dirty="0"/>
               <a:t>9/24/2023</a:t>
             </a:fld>
-            <a:endParaRPr lang="en-US" dirty="0"/>
+            <a:endParaRPr lang="en-US"/>
           </a:p>
         </p:txBody>
       </p:sp>
@@ -9281,7 +9284,7 @@
           <a:bodyPr/>
           <a:lstStyle/>
           <a:p>
-            <a:endParaRPr lang="en-US" dirty="0"/>
+            <a:endParaRPr lang="en-US"/>
           </a:p>
         </p:txBody>
       </p:sp>
@@ -9341,7 +9344,7 @@
               <a:pPr/>
               <a:t>‹#›</a:t>
             </a:fld>
-            <a:endParaRPr lang="en-US" dirty="0"/>
+            <a:endParaRPr lang="en-US"/>
           </a:p>
         </p:txBody>
       </p:sp>
@@ -9793,7 +9796,7 @@
               <a:rPr lang="en-GB"/>
               <a:t>Click to edit Master title style</a:t>
             </a:r>
-            <a:endParaRPr lang="en-US" dirty="0"/>
+            <a:endParaRPr lang="en-US"/>
           </a:p>
         </p:txBody>
       </p:sp>
@@ -9850,7 +9853,7 @@
               <a:rPr lang="en-GB"/>
               <a:t>Fifth level</a:t>
             </a:r>
-            <a:endParaRPr lang="en-US" dirty="0"/>
+            <a:endParaRPr lang="en-US"/>
           </a:p>
         </p:txBody>
       </p:sp>
@@ -9873,7 +9876,7 @@
               <a:rPr lang="en-US" dirty="0"/>
               <a:t>9/24/2023</a:t>
             </a:fld>
-            <a:endParaRPr lang="en-US" dirty="0"/>
+            <a:endParaRPr lang="en-US"/>
           </a:p>
         </p:txBody>
       </p:sp>
@@ -9892,7 +9895,7 @@
           <a:bodyPr/>
           <a:lstStyle/>
           <a:p>
-            <a:endParaRPr lang="en-US" dirty="0"/>
+            <a:endParaRPr lang="en-US"/>
           </a:p>
         </p:txBody>
       </p:sp>
@@ -9916,7 +9919,7 @@
               <a:pPr/>
               <a:t>‹#›</a:t>
             </a:fld>
-            <a:endParaRPr lang="en-US" dirty="0"/>
+            <a:endParaRPr lang="en-US"/>
           </a:p>
         </p:txBody>
       </p:sp>
@@ -10760,7 +10763,7 @@
               <a:rPr lang="en-GB"/>
               <a:t>Click to edit Master title style</a:t>
             </a:r>
-            <a:endParaRPr lang="en-US" dirty="0"/>
+            <a:endParaRPr lang="en-US"/>
           </a:p>
         </p:txBody>
       </p:sp>
@@ -10903,7 +10906,7 @@
               <a:rPr lang="en-US" dirty="0"/>
               <a:t>9/24/2023</a:t>
             </a:fld>
-            <a:endParaRPr lang="en-US" dirty="0"/>
+            <a:endParaRPr lang="en-US"/>
           </a:p>
         </p:txBody>
       </p:sp>
@@ -10922,7 +10925,7 @@
           <a:bodyPr/>
           <a:lstStyle/>
           <a:p>
-            <a:endParaRPr lang="en-US" dirty="0"/>
+            <a:endParaRPr lang="en-US"/>
           </a:p>
         </p:txBody>
       </p:sp>
@@ -10982,7 +10985,7 @@
               <a:pPr/>
               <a:t>‹#›</a:t>
             </a:fld>
-            <a:endParaRPr lang="en-US" dirty="0"/>
+            <a:endParaRPr lang="en-US"/>
           </a:p>
         </p:txBody>
       </p:sp>
@@ -11030,7 +11033,7 @@
               <a:rPr lang="en-GB"/>
               <a:t>Click to edit Master title style</a:t>
             </a:r>
-            <a:endParaRPr lang="en-US" dirty="0"/>
+            <a:endParaRPr lang="en-US"/>
           </a:p>
         </p:txBody>
       </p:sp>
@@ -11089,7 +11092,7 @@
               <a:rPr lang="en-GB"/>
               <a:t>Fifth level</a:t>
             </a:r>
-            <a:endParaRPr lang="en-US" dirty="0"/>
+            <a:endParaRPr lang="en-US"/>
           </a:p>
         </p:txBody>
       </p:sp>
@@ -11148,7 +11151,7 @@
               <a:rPr lang="en-GB"/>
               <a:t>Fifth level</a:t>
             </a:r>
-            <a:endParaRPr lang="en-US" dirty="0"/>
+            <a:endParaRPr lang="en-US"/>
           </a:p>
         </p:txBody>
       </p:sp>
@@ -11171,7 +11174,7 @@
               <a:rPr lang="en-US" dirty="0"/>
               <a:t>9/24/2023</a:t>
             </a:fld>
-            <a:endParaRPr lang="en-US" dirty="0"/>
+            <a:endParaRPr lang="en-US"/>
           </a:p>
         </p:txBody>
       </p:sp>
@@ -11190,7 +11193,7 @@
           <a:bodyPr/>
           <a:lstStyle/>
           <a:p>
-            <a:endParaRPr lang="en-US" dirty="0"/>
+            <a:endParaRPr lang="en-US"/>
           </a:p>
         </p:txBody>
       </p:sp>
@@ -11214,7 +11217,7 @@
               <a:pPr/>
               <a:t>‹#›</a:t>
             </a:fld>
-            <a:endParaRPr lang="en-US" dirty="0"/>
+            <a:endParaRPr lang="en-US"/>
           </a:p>
         </p:txBody>
       </p:sp>
@@ -11266,7 +11269,7 @@
               <a:rPr lang="en-GB"/>
               <a:t>Click to edit Master title style</a:t>
             </a:r>
-            <a:endParaRPr lang="en-US" dirty="0"/>
+            <a:endParaRPr lang="en-US"/>
           </a:p>
         </p:txBody>
       </p:sp>
@@ -11396,7 +11399,7 @@
               <a:rPr lang="en-GB"/>
               <a:t>Fifth level</a:t>
             </a:r>
-            <a:endParaRPr lang="en-US" dirty="0"/>
+            <a:endParaRPr lang="en-US"/>
           </a:p>
         </p:txBody>
       </p:sp>
@@ -11554,7 +11557,7 @@
               <a:rPr lang="en-GB"/>
               <a:t>Fifth level</a:t>
             </a:r>
-            <a:endParaRPr lang="en-US" dirty="0"/>
+            <a:endParaRPr lang="en-US"/>
           </a:p>
         </p:txBody>
       </p:sp>
@@ -11577,7 +11580,7 @@
               <a:rPr lang="en-US" dirty="0"/>
               <a:t>9/24/2023</a:t>
             </a:fld>
-            <a:endParaRPr lang="en-US" dirty="0"/>
+            <a:endParaRPr lang="en-US"/>
           </a:p>
         </p:txBody>
       </p:sp>
@@ -11596,7 +11599,7 @@
           <a:bodyPr/>
           <a:lstStyle/>
           <a:p>
-            <a:endParaRPr lang="en-US" dirty="0"/>
+            <a:endParaRPr lang="en-US"/>
           </a:p>
         </p:txBody>
       </p:sp>
@@ -11620,7 +11623,7 @@
               <a:pPr/>
               <a:t>‹#›</a:t>
             </a:fld>
-            <a:endParaRPr lang="en-US" dirty="0"/>
+            <a:endParaRPr lang="en-US"/>
           </a:p>
         </p:txBody>
       </p:sp>
@@ -11677,7 +11680,7 @@
               <a:rPr lang="en-GB"/>
               <a:t>Click to edit Master title style</a:t>
             </a:r>
-            <a:endParaRPr lang="en-US" dirty="0"/>
+            <a:endParaRPr lang="en-US"/>
           </a:p>
         </p:txBody>
       </p:sp>
@@ -11700,7 +11703,7 @@
               <a:rPr lang="en-US" dirty="0"/>
               <a:t>9/24/2023</a:t>
             </a:fld>
-            <a:endParaRPr lang="en-US" dirty="0"/>
+            <a:endParaRPr lang="en-US"/>
           </a:p>
         </p:txBody>
       </p:sp>
@@ -11719,7 +11722,7 @@
           <a:bodyPr/>
           <a:lstStyle/>
           <a:p>
-            <a:endParaRPr lang="en-US" dirty="0"/>
+            <a:endParaRPr lang="en-US"/>
           </a:p>
         </p:txBody>
       </p:sp>
@@ -11743,7 +11746,7 @@
               <a:pPr/>
               <a:t>‹#›</a:t>
             </a:fld>
-            <a:endParaRPr lang="en-US" dirty="0"/>
+            <a:endParaRPr lang="en-US"/>
           </a:p>
         </p:txBody>
       </p:sp>
@@ -11791,7 +11794,7 @@
               <a:rPr lang="en-US" dirty="0"/>
               <a:t>9/24/2023</a:t>
             </a:fld>
-            <a:endParaRPr lang="en-US" dirty="0"/>
+            <a:endParaRPr lang="en-US"/>
           </a:p>
         </p:txBody>
       </p:sp>
@@ -11810,7 +11813,7 @@
           <a:bodyPr/>
           <a:lstStyle/>
           <a:p>
-            <a:endParaRPr lang="en-US" dirty="0"/>
+            <a:endParaRPr lang="en-US"/>
           </a:p>
         </p:txBody>
       </p:sp>
@@ -11870,7 +11873,7 @@
               <a:pPr/>
               <a:t>‹#›</a:t>
             </a:fld>
-            <a:endParaRPr lang="en-US" dirty="0"/>
+            <a:endParaRPr lang="en-US"/>
           </a:p>
         </p:txBody>
       </p:sp>
@@ -12714,7 +12717,7 @@
               <a:rPr lang="en-GB"/>
               <a:t>Click to edit Master title style</a:t>
             </a:r>
-            <a:endParaRPr lang="en-US" dirty="0"/>
+            <a:endParaRPr lang="en-US"/>
           </a:p>
         </p:txBody>
       </p:sp>
@@ -12773,7 +12776,7 @@
               <a:rPr lang="en-GB"/>
               <a:t>Fifth level</a:t>
             </a:r>
-            <a:endParaRPr lang="en-US" dirty="0"/>
+            <a:endParaRPr lang="en-US"/>
           </a:p>
         </p:txBody>
       </p:sp>
@@ -12868,7 +12871,7 @@
               <a:rPr lang="en-US" dirty="0"/>
               <a:t>9/24/2023</a:t>
             </a:fld>
-            <a:endParaRPr lang="en-US" dirty="0"/>
+            <a:endParaRPr lang="en-US"/>
           </a:p>
         </p:txBody>
       </p:sp>
@@ -12887,7 +12890,7 @@
           <a:bodyPr/>
           <a:lstStyle/>
           <a:p>
-            <a:endParaRPr lang="en-US" dirty="0"/>
+            <a:endParaRPr lang="en-US"/>
           </a:p>
         </p:txBody>
       </p:sp>
@@ -12947,7 +12950,7 @@
               <a:pPr/>
               <a:t>‹#›</a:t>
             </a:fld>
-            <a:endParaRPr lang="en-US" dirty="0"/>
+            <a:endParaRPr lang="en-US"/>
           </a:p>
         </p:txBody>
       </p:sp>
@@ -13793,7 +13796,7 @@
               <a:rPr lang="en-GB"/>
               <a:t>Click to edit Master title style</a:t>
             </a:r>
-            <a:endParaRPr lang="en-US" dirty="0"/>
+            <a:endParaRPr lang="en-US"/>
           </a:p>
         </p:txBody>
       </p:sp>
@@ -13875,7 +13878,7 @@
               <a:rPr lang="en-GB"/>
               <a:t>Click icon to add picture</a:t>
             </a:r>
-            <a:endParaRPr lang="en-US" dirty="0"/>
+            <a:endParaRPr lang="en-US"/>
           </a:p>
         </p:txBody>
       </p:sp>
@@ -13972,7 +13975,7 @@
               <a:rPr lang="en-US" dirty="0"/>
               <a:t>9/24/2023</a:t>
             </a:fld>
-            <a:endParaRPr lang="en-US" dirty="0"/>
+            <a:endParaRPr lang="en-US"/>
           </a:p>
         </p:txBody>
       </p:sp>
@@ -13991,7 +13994,7 @@
           <a:bodyPr/>
           <a:lstStyle/>
           <a:p>
-            <a:endParaRPr lang="en-US" dirty="0"/>
+            <a:endParaRPr lang="en-US"/>
           </a:p>
         </p:txBody>
       </p:sp>
@@ -14051,7 +14054,7 @@
               <a:pPr/>
               <a:t>‹#›</a:t>
             </a:fld>
-            <a:endParaRPr lang="en-US" dirty="0"/>
+            <a:endParaRPr lang="en-US"/>
           </a:p>
         </p:txBody>
       </p:sp>
@@ -14864,7 +14867,7 @@
               <a:rPr lang="en-GB"/>
               <a:t>Click to edit Master title style</a:t>
             </a:r>
-            <a:endParaRPr lang="en-US" dirty="0"/>
+            <a:endParaRPr lang="en-US"/>
           </a:p>
         </p:txBody>
       </p:sp>
@@ -14926,7 +14929,7 @@
               <a:rPr lang="en-GB"/>
               <a:t>Fifth level</a:t>
             </a:r>
-            <a:endParaRPr lang="en-US" dirty="0"/>
+            <a:endParaRPr lang="en-US"/>
           </a:p>
         </p:txBody>
       </p:sp>
@@ -14965,7 +14968,7 @@
               <a:rPr lang="en-US" dirty="0"/>
               <a:t>9/24/2023</a:t>
             </a:fld>
-            <a:endParaRPr lang="en-US" dirty="0"/>
+            <a:endParaRPr lang="en-US"/>
           </a:p>
         </p:txBody>
       </p:sp>
@@ -15000,7 +15003,7 @@
             </a:lvl1pPr>
           </a:lstStyle>
           <a:p>
-            <a:endParaRPr lang="en-US" dirty="0"/>
+            <a:endParaRPr lang="en-US"/>
           </a:p>
         </p:txBody>
       </p:sp>
@@ -15076,7 +15079,7 @@
               <a:pPr/>
               <a:t>‹#›</a:t>
             </a:fld>
-            <a:endParaRPr lang="en-US" dirty="0"/>
+            <a:endParaRPr lang="en-US"/>
           </a:p>
         </p:txBody>
       </p:sp>
@@ -15578,55 +15581,55 @@
           <a:lstStyle/>
           <a:p>
             <a:r>
-              <a:rPr lang="en-GB" dirty="0"/>
+              <a:rPr lang="en-GB"/>
               <a:t>"Quantifying Public Landscape Perceptions with Multimodal Learning"</a:t>
             </a:r>
             <a:br>
-              <a:rPr lang="en-GB" dirty="0"/>
+              <a:rPr lang="en-GB"/>
             </a:br>
             <a:br>
-              <a:rPr lang="en-GB" dirty="0"/>
+              <a:rPr lang="en-GB"/>
             </a:br>
             <a:br>
-              <a:rPr lang="en-GB" dirty="0"/>
+              <a:rPr lang="en-GB"/>
             </a:br>
             <a:br>
-              <a:rPr lang="en-GB" dirty="0"/>
+              <a:rPr lang="en-GB"/>
             </a:br>
             <a:br>
-              <a:rPr lang="en-GB" dirty="0"/>
+              <a:rPr lang="en-GB"/>
             </a:br>
             <a:br>
-              <a:rPr lang="en-GB" dirty="0"/>
+              <a:rPr lang="en-GB"/>
             </a:br>
             <a:r>
-              <a:rPr lang="en-US" sz="2700" dirty="0"/>
+              <a:rPr lang="en-US" sz="2700"/>
               <a:t>Bilal Rabbi, </a:t>
             </a:r>
             <a:r>
-              <a:rPr lang="en-US" sz="2700" dirty="0" err="1"/>
+              <a:rPr lang="en-US" sz="2700" err="1"/>
               <a:t>Barkin</a:t>
             </a:r>
             <a:r>
-              <a:rPr lang="en-US" sz="2700" dirty="0"/>
+              <a:rPr lang="en-US" sz="2700"/>
               <a:t> </a:t>
             </a:r>
             <a:r>
-              <a:rPr lang="en-US" sz="2700" dirty="0" err="1"/>
+              <a:rPr lang="en-US" sz="2700" err="1"/>
               <a:t>Yarici</a:t>
             </a:r>
             <a:r>
-              <a:rPr lang="en-US" sz="2700" dirty="0"/>
+              <a:rPr lang="en-US" sz="2700"/>
               <a:t>, Waleed Niaz</a:t>
             </a:r>
             <a:br>
-              <a:rPr lang="en-US" sz="3600" dirty="0">
+              <a:rPr lang="en-US" sz="3600">
                 <a:solidFill>
                   <a:srgbClr val="FFFFFF"/>
                 </a:solidFill>
               </a:rPr>
             </a:br>
-            <a:endParaRPr lang="en-GB" dirty="0"/>
+            <a:endParaRPr lang="en-GB"/>
           </a:p>
         </p:txBody>
       </p:sp>
@@ -15808,12 +15811,12 @@
           <a:p>
             <a:pPr rtl="0"/>
             <a:r>
-              <a:rPr lang="en-US" dirty="0">
+              <a:rPr lang="en-US">
                 <a:cs typeface="Calibri"/>
               </a:rPr>
               <a:t>ResNet50</a:t>
             </a:r>
-            <a:endParaRPr lang="en-GB" dirty="0"/>
+            <a:endParaRPr lang="en-GB"/>
           </a:p>
         </p:txBody>
       </p:sp>
@@ -15846,13 +15849,13 @@
           <a:lstStyle/>
           <a:p>
             <a:r>
-              <a:rPr lang="en-US" sz="2000" b="1" dirty="0">
+              <a:rPr lang="en-US" sz="2000" b="1">
                 <a:ea typeface="+mn-lt"/>
                 <a:cs typeface="+mn-lt"/>
               </a:rPr>
               <a:t>Key Features:</a:t>
             </a:r>
-            <a:endParaRPr lang="en-US" sz="2000" b="1" dirty="0">
+            <a:endParaRPr lang="en-US" sz="2000" b="1">
               <a:cs typeface="Calibri"/>
             </a:endParaRPr>
           </a:p>
@@ -15862,7 +15865,7 @@
               <a:buChar char="✨"/>
             </a:pPr>
             <a:r>
-              <a:rPr lang="en-US" sz="2000" dirty="0">
+              <a:rPr lang="en-US" sz="2000">
                 <a:cs typeface="Calibri"/>
               </a:rPr>
               <a:t>Pretrained Model on millions of images</a:t>
@@ -15874,20 +15877,20 @@
               <a:buChar char="✨"/>
             </a:pPr>
             <a:r>
-              <a:rPr lang="en-US" sz="2000" b="1" dirty="0">
+              <a:rPr lang="en-US" sz="2000" b="1">
                 <a:ea typeface="+mn-lt"/>
                 <a:cs typeface="+mn-lt"/>
               </a:rPr>
               <a:t>Convolutional Layers: </a:t>
             </a:r>
             <a:r>
-              <a:rPr lang="en-US" sz="2000" dirty="0">
+              <a:rPr lang="en-US" sz="2000">
                 <a:ea typeface="+mn-lt"/>
                 <a:cs typeface="+mn-lt"/>
               </a:rPr>
               <a:t>Detect essential image features like edges and colors.</a:t>
             </a:r>
-            <a:endParaRPr lang="en-US" sz="2000" dirty="0">
+            <a:endParaRPr lang="en-US" sz="2000">
               <a:cs typeface="Calibri"/>
             </a:endParaRPr>
           </a:p>
@@ -15897,20 +15900,20 @@
               <a:buChar char="✨"/>
             </a:pPr>
             <a:r>
-              <a:rPr lang="en-US" sz="2000" b="1" dirty="0">
+              <a:rPr lang="en-US" sz="2000" b="1">
                 <a:ea typeface="+mn-lt"/>
                 <a:cs typeface="+mn-lt"/>
               </a:rPr>
               <a:t>Activation (ReLU): </a:t>
             </a:r>
             <a:r>
-              <a:rPr lang="en-US" sz="2000" dirty="0">
+              <a:rPr lang="en-US" sz="2000">
                 <a:ea typeface="+mn-lt"/>
                 <a:cs typeface="+mn-lt"/>
               </a:rPr>
               <a:t>Highlights vital parts for decision-making.</a:t>
             </a:r>
-            <a:endParaRPr lang="en-US" sz="2000" dirty="0">
+            <a:endParaRPr lang="en-US" sz="2000">
               <a:cs typeface="Calibri"/>
             </a:endParaRPr>
           </a:p>
@@ -15920,20 +15923,20 @@
               <a:buChar char="✨"/>
             </a:pPr>
             <a:r>
-              <a:rPr lang="en-US" sz="2000" b="1" dirty="0">
+              <a:rPr lang="en-US" sz="2000" b="1">
                 <a:ea typeface="+mn-lt"/>
                 <a:cs typeface="+mn-lt"/>
               </a:rPr>
               <a:t>Pooling: </a:t>
             </a:r>
             <a:r>
-              <a:rPr lang="en-US" sz="2000" dirty="0">
+              <a:rPr lang="en-US" sz="2000">
                 <a:ea typeface="+mn-lt"/>
                 <a:cs typeface="+mn-lt"/>
               </a:rPr>
               <a:t>Condenses image data, retaining core details.</a:t>
             </a:r>
-            <a:endParaRPr lang="en-US" sz="2000" dirty="0">
+            <a:endParaRPr lang="en-US" sz="2000">
               <a:cs typeface="Calibri"/>
             </a:endParaRPr>
           </a:p>
@@ -15943,14 +15946,14 @@
               <a:buChar char="✨"/>
             </a:pPr>
             <a:r>
-              <a:rPr lang="en-US" sz="2000" b="1" dirty="0">
+              <a:rPr lang="en-US" sz="2000" b="1">
                 <a:ea typeface="+mn-lt"/>
                 <a:cs typeface="+mn-lt"/>
               </a:rPr>
               <a:t>Residual Blocks: </a:t>
             </a:r>
             <a:r>
-              <a:rPr lang="en-US" sz="2000" dirty="0">
+              <a:rPr lang="en-US" sz="2000">
                 <a:ea typeface="+mn-lt"/>
                 <a:cs typeface="+mn-lt"/>
               </a:rPr>
@@ -15963,7 +15966,7 @@
               <a:buChar char="✨"/>
             </a:pPr>
             <a:r>
-              <a:rPr lang="en-US" sz="2000" dirty="0">
+              <a:rPr lang="en-US" sz="2000">
                 <a:cs typeface="Calibri"/>
                 <a:hlinkClick r:id="rId4">
                   <a:extLst>
@@ -16120,12 +16123,12 @@
           <a:p>
             <a:pPr rtl="0"/>
             <a:r>
-              <a:rPr lang="en-US" dirty="0">
+              <a:rPr lang="en-US">
                 <a:cs typeface="Calibri Light"/>
               </a:rPr>
               <a:t>Quantitative Results ResNet50</a:t>
             </a:r>
-            <a:endParaRPr lang="en-GB" dirty="0"/>
+            <a:endParaRPr lang="en-GB"/>
           </a:p>
         </p:txBody>
       </p:sp>
@@ -16168,7 +16171,7 @@
               <a:buChar char="✨"/>
             </a:pPr>
             <a:r>
-              <a:rPr lang="en-US" sz="2000" dirty="0">
+              <a:rPr lang="en-US" sz="2000">
                 <a:cs typeface="Calibri" panose="020F0502020204030204"/>
               </a:rPr>
               <a:t>The F1 scores for both classes are the same 0.90. This suggests that the model is achieving a balanced performance.</a:t>
@@ -16186,13 +16189,13 @@
               <a:buChar char="✨"/>
             </a:pPr>
             <a:r>
-              <a:rPr lang="en-US" sz="2000" dirty="0">
+              <a:rPr lang="en-US" sz="2000">
                 <a:ea typeface="+mn-lt"/>
                 <a:cs typeface="+mn-lt"/>
               </a:rPr>
               <a:t>The model has demonstrated a commendable performance on the test data with an accuracy of 90%. It's noteworthy to observe that the precision and recall metrics are in harmony, leading to an F1 score of approximately 0.897, signifying that the model maintains a balanced capability in both accurately predicting positive instances and capturing the actual positive instances.</a:t>
             </a:r>
-            <a:endParaRPr lang="en-US" sz="2000" dirty="0">
+            <a:endParaRPr lang="en-US" sz="2000">
               <a:cs typeface="Calibri" panose="020F0502020204030204"/>
             </a:endParaRPr>
           </a:p>
@@ -16201,7 +16204,7 @@
               <a:buFont typeface="System Font Regular"/>
               <a:buChar char="✨"/>
             </a:pPr>
-            <a:endParaRPr lang="en-GB" sz="2400" dirty="0"/>
+            <a:endParaRPr lang="en-GB" sz="2400"/>
           </a:p>
         </p:txBody>
       </p:sp>
@@ -16407,13 +16410,13 @@
           <a:p>
             <a:pPr rtl="0"/>
             <a:r>
-              <a:rPr lang="en-US" dirty="0">
+              <a:rPr lang="en-US">
                 <a:ea typeface="+mj-lt"/>
                 <a:cs typeface="+mj-lt"/>
               </a:rPr>
               <a:t>Qualitative Results ResNet50</a:t>
             </a:r>
-            <a:endParaRPr lang="en-GB" dirty="0"/>
+            <a:endParaRPr lang="en-GB"/>
           </a:p>
         </p:txBody>
       </p:sp>
@@ -16456,7 +16459,7 @@
               <a:buChar char="✨"/>
             </a:pPr>
             <a:r>
-              <a:rPr lang="en-US" sz="2000" dirty="0">
+              <a:rPr lang="en-US" sz="2000">
                 <a:ea typeface="+mn-lt"/>
                 <a:cs typeface="+mn-lt"/>
               </a:rPr>
@@ -16475,7 +16478,7 @@
               <a:buChar char="✨"/>
             </a:pPr>
             <a:r>
-              <a:rPr lang="en-US" sz="2000" dirty="0">
+              <a:rPr lang="en-US" sz="2000">
                 <a:ea typeface="+mn-lt"/>
                 <a:cs typeface="+mn-lt"/>
               </a:rPr>
@@ -16494,7 +16497,7 @@
               <a:buChar char="✨"/>
             </a:pPr>
             <a:r>
-              <a:rPr lang="en-US" sz="2000" dirty="0">
+              <a:rPr lang="en-US" sz="2000">
                 <a:ea typeface="+mn-lt"/>
                 <a:cs typeface="+mn-lt"/>
               </a:rPr>
@@ -16513,7 +16516,7 @@
               <a:buChar char="✨"/>
             </a:pPr>
             <a:r>
-              <a:rPr lang="en-US" sz="2000" dirty="0">
+              <a:rPr lang="en-US" sz="2000">
                 <a:ea typeface="+mn-lt"/>
                 <a:cs typeface="+mn-lt"/>
               </a:rPr>
@@ -16525,7 +16528,7 @@
               <a:buFont typeface="System Font Regular"/>
               <a:buChar char="✨"/>
             </a:pPr>
-            <a:endParaRPr lang="en-GB" sz="2400" dirty="0"/>
+            <a:endParaRPr lang="en-GB" sz="2400"/>
           </a:p>
         </p:txBody>
       </p:sp>
@@ -16701,12 +16704,12 @@
           <a:p>
             <a:pPr rtl="0"/>
             <a:r>
-              <a:rPr lang="en-US" dirty="0" err="1">
+              <a:rPr lang="en-US" err="1">
                 <a:cs typeface="Calibri"/>
               </a:rPr>
               <a:t>ViLT</a:t>
             </a:r>
-            <a:endParaRPr lang="en-GB" dirty="0"/>
+            <a:endParaRPr lang="en-GB"/>
           </a:p>
         </p:txBody>
       </p:sp>
@@ -16743,12 +16746,12 @@
               <a:buNone/>
             </a:pPr>
             <a:r>
-              <a:rPr lang="en-US" sz="2000" b="1" dirty="0">
+              <a:rPr lang="en-US" sz="2000" b="1">
                 <a:cs typeface="Arial"/>
               </a:rPr>
               <a:t>Key Features:</a:t>
             </a:r>
-            <a:endParaRPr lang="en-US" sz="2000" dirty="0">
+            <a:endParaRPr lang="en-US" sz="2000">
               <a:cs typeface="Arial"/>
             </a:endParaRPr>
           </a:p>
@@ -16758,13 +16761,13 @@
               <a:buChar char="✨"/>
             </a:pPr>
             <a:r>
-              <a:rPr lang="en-US" sz="2000" dirty="0">
+              <a:rPr lang="en-US" sz="2000">
                 <a:cs typeface="Arial"/>
               </a:rPr>
               <a:t>For Classification Pretrained Model on </a:t>
             </a:r>
             <a:r>
-              <a:rPr lang="en-US" sz="2000" dirty="0">
+              <a:rPr lang="en-US" sz="2000">
                 <a:solidFill>
                   <a:srgbClr val="FFFF00"/>
                 </a:solidFill>
@@ -16781,14 +16784,14 @@
               <a:t>VQAv2</a:t>
             </a:r>
             <a:r>
-              <a:rPr lang="en-US" sz="2000" dirty="0">
+              <a:rPr lang="en-US" sz="2000">
                 <a:ea typeface="+mn-lt"/>
                 <a:cs typeface="+mn-lt"/>
               </a:rPr>
               <a:t> and </a:t>
             </a:r>
             <a:r>
-              <a:rPr lang="en-US" sz="2000" dirty="0">
+              <a:rPr lang="en-US" sz="2000">
                 <a:solidFill>
                   <a:srgbClr val="FFFF00"/>
                 </a:solidFill>
@@ -16804,10 +16807,11 @@
               </a:rPr>
               <a:t>NLVR2</a:t>
             </a:r>
-            <a:endParaRPr lang="en-US" sz="2000" dirty="0">
+            <a:endParaRPr lang="en-US" sz="2000">
               <a:solidFill>
                 <a:srgbClr val="FFFF00"/>
               </a:solidFill>
+              <a:ea typeface="+mn-lt"/>
               <a:cs typeface="Arial"/>
             </a:endParaRPr>
           </a:p>
@@ -16817,13 +16821,27 @@
               <a:buChar char="✨"/>
             </a:pPr>
             <a:r>
-              <a:rPr lang="en-US" sz="2000" dirty="0">
+              <a:rPr lang="en-US" sz="2000">
+                <a:solidFill>
+                  <a:srgbClr val="FFFFFF"/>
+                </a:solidFill>
                 <a:ea typeface="+mn-lt"/>
                 <a:cs typeface="+mn-lt"/>
               </a:rPr>
-              <a:t>Two-layer neural network on top of the pre-trained model and fine-tuning this combined structure.</a:t>
-            </a:r>
-            <a:endParaRPr lang="en-US" sz="2000" dirty="0">
+              <a:t>Apply</a:t>
+            </a:r>
+            <a:r>
+              <a:rPr lang="en-US" sz="2000">
+                <a:ea typeface="+mn-lt"/>
+                <a:cs typeface="+mn-lt"/>
+              </a:rPr>
+              <a:t> a two-layered neural network on top of the pre-trained model and fine-tune this combined structure</a:t>
+            </a:r>
+            <a:endParaRPr lang="en-US" sz="2000">
+              <a:solidFill>
+                <a:srgbClr val="FFFF00"/>
+              </a:solidFill>
+              <a:ea typeface="+mn-lt"/>
               <a:cs typeface="Arial"/>
             </a:endParaRPr>
           </a:p>
@@ -16833,7 +16851,7 @@
               <a:buChar char="✨"/>
             </a:pPr>
             <a:r>
-              <a:rPr lang="en-US" sz="2000" dirty="0">
+              <a:rPr lang="en-US" sz="2000">
                 <a:ea typeface="+mn-lt"/>
                 <a:cs typeface="+mn-lt"/>
               </a:rPr>
@@ -16846,13 +16864,13 @@
               <a:buChar char="✨"/>
             </a:pPr>
             <a:r>
-              <a:rPr lang="en-US" sz="2000" dirty="0">
+              <a:rPr lang="en-US" sz="2000">
                 <a:ea typeface="+mn-lt"/>
                 <a:cs typeface="+mn-lt"/>
               </a:rPr>
-              <a:t>Image: The image is resized to a small length of 384px and max side length of 640px, patched into 240 squares [max 200 is used], padded and then used</a:t>
-            </a:r>
-            <a:endParaRPr lang="en-US" sz="2000" dirty="0"/>
+              <a:t>Image: The image is resized to the length of 512 x 384pixels, patched into 240 squares [max 200 is used], padded and then used</a:t>
+            </a:r>
+            <a:endParaRPr lang="en-US" sz="2000"/>
           </a:p>
           <a:p>
             <a:pPr marL="342900" indent="-342900">
@@ -16860,8 +16878,8 @@
               <a:buChar char="✨"/>
             </a:pPr>
             <a:r>
-              <a:rPr lang="en-US" sz="2000" dirty="0">
-                <a:latin typeface="Arial"/>
+              <a:rPr lang="en-US" sz="2000">
+                <a:latin typeface="Century Gothic"/>
                 <a:ea typeface="+mn-lt"/>
                 <a:cs typeface="Arial"/>
                 <a:hlinkClick r:id="rId6">
@@ -16875,9 +16893,10 @@
               <a:t>Code is linked here</a:t>
             </a:r>
             <a:endParaRPr lang="en-US" sz="2000">
+              <a:latin typeface="Century Gothic"/>
               <a:ea typeface="+mn-lt"/>
               <a:cs typeface="+mn-lt"/>
-              <a:hlinkClick r:id="">
+              <a:hlinkClick r:id="" action="ppaction://noaction">
                 <a:extLst>
                   <a:ext uri="{A12FA001-AC4F-418D-AE19-62706E023703}">
                     <ahyp:hlinkClr xmlns:ahyp="http://schemas.microsoft.com/office/drawing/2018/hyperlinkcolor" val="tx"/>
@@ -16888,7 +16907,7 @@
           </a:p>
           <a:p>
             <a:r>
-              <a:rPr lang="en-US" sz="2000" dirty="0">
+              <a:rPr lang="en-US" sz="2000">
                 <a:ea typeface="+mn-lt"/>
                 <a:cs typeface="+mn-lt"/>
               </a:rPr>
@@ -16902,7 +16921,7 @@
               <a:t>ViLT</a:t>
             </a:r>
             <a:r>
-              <a:rPr lang="en-US" sz="2000" dirty="0">
+              <a:rPr lang="en-US" sz="2000">
                 <a:ea typeface="+mn-lt"/>
                 <a:cs typeface="+mn-lt"/>
               </a:rPr>
@@ -16910,7 +16929,7 @@
             </a:r>
           </a:p>
           <a:p>
-            <a:endParaRPr lang="en-US" sz="2000" dirty="0">
+            <a:endParaRPr lang="en-US" sz="2000">
               <a:cs typeface="Calibri"/>
             </a:endParaRPr>
           </a:p>
@@ -17058,18 +17077,18 @@
           <a:p>
             <a:pPr rtl="0"/>
             <a:r>
-              <a:rPr lang="en-US" dirty="0">
+              <a:rPr lang="en-US">
                 <a:cs typeface="Calibri Light"/>
               </a:rPr>
               <a:t>Quantitative Results </a:t>
             </a:r>
             <a:r>
-              <a:rPr lang="en-US" dirty="0" err="1">
+              <a:rPr lang="en-US" err="1">
                 <a:cs typeface="Calibri Light"/>
               </a:rPr>
               <a:t>ViLT</a:t>
             </a:r>
-            <a:endParaRPr lang="en-GB" dirty="0"/>
+            <a:endParaRPr lang="en-GB"/>
           </a:p>
         </p:txBody>
       </p:sp>
@@ -17112,7 +17131,7 @@
               <a:buChar char="✨"/>
             </a:pPr>
             <a:r>
-              <a:rPr lang="en-US" sz="2000" dirty="0">
+              <a:rPr lang="en-US" sz="2000">
                 <a:cs typeface="Calibri" panose="020F0502020204030204"/>
               </a:rPr>
               <a:t>F1 scores indicate that the model is performing slightly better in terms of a balance between precision and recall for Class 1.</a:t>
@@ -17130,7 +17149,7 @@
               <a:buChar char="✨"/>
             </a:pPr>
             <a:r>
-              <a:rPr lang="en-US" sz="2000" dirty="0">
+              <a:rPr lang="en-US" sz="2000">
                 <a:cs typeface="Calibri" panose="020F0502020204030204"/>
               </a:rPr>
               <a:t>The F1 scores for both classes are the same 0.92. This suggests that the model is achieving a balanced performance.</a:t>
@@ -17148,7 +17167,7 @@
               <a:buChar char="✨"/>
             </a:pPr>
             <a:r>
-              <a:rPr lang="en-US" sz="2000" dirty="0">
+              <a:rPr lang="en-US" sz="2000">
                 <a:cs typeface="Calibri" panose="020F0502020204030204"/>
               </a:rPr>
               <a:t>An F1 score in the range of 0.92 is considered a good performance in binary classification tasks. It indicates that the model is effective at both making accurate positive predictions (precision) and capturing actual positive instances (recall) for both classes.</a:t>
@@ -17358,20 +17377,20 @@
           <a:p>
             <a:pPr rtl="0"/>
             <a:r>
-              <a:rPr lang="en-US" dirty="0">
+              <a:rPr lang="en-US">
                 <a:ea typeface="+mj-lt"/>
                 <a:cs typeface="+mj-lt"/>
               </a:rPr>
               <a:t>Qualitative Results </a:t>
             </a:r>
             <a:r>
-              <a:rPr lang="en-US" dirty="0" err="1">
+              <a:rPr lang="en-US" err="1">
                 <a:ea typeface="+mj-lt"/>
                 <a:cs typeface="+mj-lt"/>
               </a:rPr>
               <a:t>ViLT</a:t>
             </a:r>
-            <a:endParaRPr lang="en-GB" dirty="0"/>
+            <a:endParaRPr lang="en-GB"/>
           </a:p>
         </p:txBody>
       </p:sp>
@@ -17414,7 +17433,7 @@
               <a:buChar char="✨"/>
             </a:pPr>
             <a:r>
-              <a:rPr lang="en-US" sz="2400" dirty="0">
+              <a:rPr lang="en-US" sz="2400">
                 <a:ea typeface="+mn-lt"/>
                 <a:cs typeface="+mn-lt"/>
               </a:rPr>
@@ -17433,7 +17452,7 @@
               <a:buChar char="✨"/>
             </a:pPr>
             <a:r>
-              <a:rPr lang="en-US" sz="2400" dirty="0">
+              <a:rPr lang="en-US" sz="2400">
                 <a:ea typeface="+mn-lt"/>
                 <a:cs typeface="+mn-lt"/>
               </a:rPr>
@@ -17452,7 +17471,7 @@
               <a:buChar char="✨"/>
             </a:pPr>
             <a:r>
-              <a:rPr lang="en-US" sz="2400" dirty="0">
+              <a:rPr lang="en-US" sz="2400">
                 <a:ea typeface="+mn-lt"/>
                 <a:cs typeface="+mn-lt"/>
               </a:rPr>
@@ -17631,22 +17650,28 @@
           <a:bodyPr rtlCol="0"/>
           <a:lstStyle/>
           <a:p>
-            <a:pPr rtl="0"/>
-            <a:r>
-              <a:rPr lang="en-US" dirty="0">
+            <a:r>
+              <a:rPr lang="en-US">
                 <a:ea typeface="+mj-lt"/>
                 <a:cs typeface="+mj-lt"/>
               </a:rPr>
               <a:t>Qualitative Results </a:t>
             </a:r>
             <a:r>
-              <a:rPr lang="en-US" dirty="0" err="1">
+              <a:rPr lang="en-US" err="1">
                 <a:ea typeface="+mj-lt"/>
                 <a:cs typeface="+mj-lt"/>
               </a:rPr>
               <a:t>ViLT</a:t>
             </a:r>
-            <a:endParaRPr lang="en-GB" dirty="0"/>
+            <a:r>
+              <a:rPr lang="en-US">
+                <a:ea typeface="+mj-lt"/>
+                <a:cs typeface="+mj-lt"/>
+              </a:rPr>
+              <a:t> </a:t>
+            </a:r>
+            <a:endParaRPr lang="en-GB"/>
           </a:p>
         </p:txBody>
       </p:sp>
@@ -17678,34 +17703,71 @@
           </a:bodyPr>
           <a:lstStyle/>
           <a:p>
+            <a:endParaRPr lang="en-US" sz="2000">
+              <a:ea typeface="+mn-lt"/>
+              <a:cs typeface="+mn-lt"/>
+            </a:endParaRPr>
+          </a:p>
+          <a:p>
             <a:pPr marL="342900" indent="-342900">
               <a:buFont typeface="System Font Regular"/>
               <a:buChar char="✨"/>
             </a:pPr>
             <a:r>
-              <a:rPr lang="en-US" sz="2000" dirty="0">
+              <a:rPr lang="en-US" sz="2000">
+                <a:solidFill>
+                  <a:srgbClr val="FFFFFF"/>
+                </a:solidFill>
                 <a:ea typeface="+mn-lt"/>
                 <a:cs typeface="+mn-lt"/>
               </a:rPr>
-              <a:t>The model seems to identify predicting higher </a:t>
-            </a:r>
-            <a:r>
-              <a:rPr lang="en-US" sz="2000" dirty="0" err="1">
+              <a:t>The model accurately identifies higher </a:t>
+            </a:r>
+            <a:r>
+              <a:rPr lang="en-US" sz="2000" err="1">
+                <a:solidFill>
+                  <a:srgbClr val="FFFFFF"/>
+                </a:solidFill>
                 <a:ea typeface="+mn-lt"/>
                 <a:cs typeface="+mn-lt"/>
               </a:rPr>
               <a:t>scenicness</a:t>
             </a:r>
             <a:r>
-              <a:rPr lang="en-US" sz="2000" dirty="0">
+              <a:rPr lang="en-US" sz="2000">
+                <a:solidFill>
+                  <a:srgbClr val="FFFFFF"/>
+                </a:solidFill>
                 <a:ea typeface="+mn-lt"/>
                 <a:cs typeface="+mn-lt"/>
               </a:rPr>
-              <a:t> values accurately. But in some cases, it failed to recognize a very high scenicness score of 9.6 and marked it as 0, which is an oversight.</a:t>
-            </a:r>
-            <a:endParaRPr lang="en-US" sz="2000">
-              <a:ea typeface="+mn-lt"/>
-              <a:cs typeface="+mn-lt"/>
+              <a:t> values in most cases. However, it encountered an oversight in some instances when failing to recognize a very high </a:t>
+            </a:r>
+            <a:r>
+              <a:rPr lang="en-US" sz="2000" err="1">
+                <a:solidFill>
+                  <a:srgbClr val="FFFFFF"/>
+                </a:solidFill>
+                <a:ea typeface="+mn-lt"/>
+                <a:cs typeface="+mn-lt"/>
+              </a:rPr>
+              <a:t>scenicness</a:t>
+            </a:r>
+            <a:r>
+              <a:rPr lang="en-US" sz="2000">
+                <a:solidFill>
+                  <a:srgbClr val="FFFFFF"/>
+                </a:solidFill>
+                <a:ea typeface="+mn-lt"/>
+                <a:cs typeface="+mn-lt"/>
+              </a:rPr>
+              <a:t> score of 9.6 and marking it as 0.</a:t>
+            </a:r>
+            <a:endParaRPr lang="en-US">
+              <a:solidFill>
+                <a:srgbClr val="000000"/>
+              </a:solidFill>
+              <a:latin typeface="-webkit-standard"/>
             </a:endParaRPr>
           </a:p>
           <a:p>
@@ -17720,13 +17782,41 @@
               <a:buChar char="✨"/>
             </a:pPr>
             <a:r>
-              <a:rPr lang="en-US" sz="2000" dirty="0">
+              <a:rPr lang="en-US" sz="2000">
                 <a:ea typeface="+mn-lt"/>
                 <a:cs typeface="+mn-lt"/>
               </a:rPr>
-              <a:t>For mid-range and low scenicness scores, the model appears to be performing accurately, as evident from its correct predictions for scenicness scores of 6.4, 2.25, and 1.0.</a:t>
-            </a:r>
-            <a:endParaRPr lang="en-US" sz="2000" dirty="0"/>
+              <a:t>For mid-range and low </a:t>
+            </a:r>
+            <a:r>
+              <a:rPr lang="en-US" sz="2000" err="1">
+                <a:ea typeface="+mn-lt"/>
+                <a:cs typeface="+mn-lt"/>
+              </a:rPr>
+              <a:t>scenicness</a:t>
+            </a:r>
+            <a:r>
+              <a:rPr lang="en-US" sz="2000">
+                <a:ea typeface="+mn-lt"/>
+                <a:cs typeface="+mn-lt"/>
+              </a:rPr>
+              <a:t> scores, the model appears to be performing accurately, as evident from its correct predictions for </a:t>
+            </a:r>
+            <a:r>
+              <a:rPr lang="en-US" sz="2000" err="1">
+                <a:ea typeface="+mn-lt"/>
+                <a:cs typeface="+mn-lt"/>
+              </a:rPr>
+              <a:t>scenicness</a:t>
+            </a:r>
+            <a:r>
+              <a:rPr lang="en-US" sz="2000">
+                <a:ea typeface="+mn-lt"/>
+                <a:cs typeface="+mn-lt"/>
+              </a:rPr>
+              <a:t> scores of 6.4, 2.25, and 1.0.</a:t>
+            </a:r>
+            <a:endParaRPr lang="en-US" sz="2000"/>
           </a:p>
           <a:p>
             <a:pPr marL="342900" indent="-342900">
@@ -17740,41 +17830,55 @@
               <a:buChar char="✨"/>
             </a:pPr>
             <a:r>
-              <a:rPr lang="en-US" sz="2000" dirty="0">
+              <a:rPr lang="en-US" sz="2000">
                 <a:ea typeface="+mn-lt"/>
                 <a:cs typeface="+mn-lt"/>
               </a:rPr>
               <a:t>In conclusion, while </a:t>
             </a:r>
             <a:r>
-              <a:rPr lang="en-US" sz="2000" dirty="0" err="1">
+              <a:rPr lang="en-US" sz="2000" err="1">
                 <a:ea typeface="+mn-lt"/>
                 <a:cs typeface="+mn-lt"/>
               </a:rPr>
               <a:t>ViLT</a:t>
             </a:r>
             <a:r>
-              <a:rPr lang="en-US" sz="2000" dirty="0">
+              <a:rPr lang="en-US" sz="2000">
                 <a:ea typeface="+mn-lt"/>
                 <a:cs typeface="+mn-lt"/>
               </a:rPr>
-              <a:t> demonstrates competence in predicting mid-range and low scenicness values, its performance on higher </a:t>
-            </a:r>
-            <a:r>
-              <a:rPr lang="en-US" sz="2000" dirty="0" err="1">
+              <a:t> demonstrates competence in predicting mid-range and low </a:t>
+            </a:r>
+            <a:r>
+              <a:rPr lang="en-US" sz="2000" err="1">
                 <a:ea typeface="+mn-lt"/>
                 <a:cs typeface="+mn-lt"/>
               </a:rPr>
               <a:t>scenicness</a:t>
             </a:r>
             <a:r>
-              <a:rPr lang="en-US" sz="2000" dirty="0">
+              <a:rPr lang="en-US" sz="2000">
+                <a:ea typeface="+mn-lt"/>
+                <a:cs typeface="+mn-lt"/>
+              </a:rPr>
+              <a:t> values, its performance on higher </a:t>
+            </a:r>
+            <a:r>
+              <a:rPr lang="en-US" sz="2000" err="1">
+                <a:ea typeface="+mn-lt"/>
+                <a:cs typeface="+mn-lt"/>
+              </a:rPr>
+              <a:t>scenicness</a:t>
+            </a:r>
+            <a:r>
+              <a:rPr lang="en-US" sz="2000">
                 <a:ea typeface="+mn-lt"/>
                 <a:cs typeface="+mn-lt"/>
               </a:rPr>
               <a:t> scores requires only in some cases attention and refinement.</a:t>
             </a:r>
-            <a:endParaRPr lang="en-US" sz="2000" dirty="0">
+            <a:endParaRPr lang="en-US" sz="2000">
               <a:cs typeface="Calibri"/>
             </a:endParaRPr>
           </a:p>
@@ -17922,10 +18026,10 @@
           <a:p>
             <a:pPr rtl="0"/>
             <a:r>
-              <a:rPr lang="en-US" dirty="0"/>
+              <a:rPr lang="en-US"/>
               <a:t>Conclusion</a:t>
             </a:r>
-            <a:endParaRPr lang="en-GB" dirty="0"/>
+            <a:endParaRPr lang="en-GB"/>
           </a:p>
         </p:txBody>
       </p:sp>
@@ -17952,13 +18056,13 @@
           </a:xfrm>
         </p:spPr>
         <p:txBody>
-          <a:bodyPr rtlCol="0">
+          <a:bodyPr vert="horz" lIns="91440" tIns="45720" rIns="91440" bIns="45720" rtlCol="0" anchor="t">
             <a:normAutofit/>
           </a:bodyPr>
           <a:lstStyle/>
           <a:p>
             <a:r>
-              <a:rPr lang="en-GB" sz="1600" dirty="0"/>
+              <a:rPr lang="en-GB" sz="1600"/>
               <a:t>"In this study, we addressed two questions of our research:</a:t>
             </a:r>
           </a:p>
@@ -17971,7 +18075,7 @@
               <a:buAutoNum type="arabicPeriod"/>
             </a:pPr>
             <a:r>
-              <a:rPr lang="en-GB" sz="1600" dirty="0"/>
+              <a:rPr lang="en-GB" sz="1600"/>
               <a:t>We evaluated the effectiveness of unimodal models, using BERT for text analysis and ResNet50 for image analysis.</a:t>
             </a:r>
           </a:p>
@@ -17984,65 +18088,65 @@
               <a:buAutoNum type="arabicPeriod"/>
             </a:pPr>
             <a:r>
-              <a:rPr lang="en-GB" sz="1600" dirty="0"/>
+              <a:rPr lang="en-GB" sz="1600"/>
               <a:t>We explored whether the multimodal </a:t>
             </a:r>
             <a:r>
-              <a:rPr lang="en-GB" sz="1600" dirty="0" err="1"/>
+              <a:rPr lang="en-GB" sz="1600" err="1"/>
               <a:t>ViLT</a:t>
             </a:r>
             <a:r>
-              <a:rPr lang="en-GB" sz="1600" dirty="0"/>
+              <a:rPr lang="en-GB" sz="1600"/>
               <a:t> model could outperform these unimodal approaches.</a:t>
             </a:r>
           </a:p>
           <a:p>
-            <a:endParaRPr lang="en-GB" sz="1600" dirty="0"/>
-          </a:p>
-          <a:p>
-            <a:r>
-              <a:rPr lang="en-GB" sz="1600" dirty="0"/>
+            <a:endParaRPr lang="en-GB" sz="1600"/>
+          </a:p>
+          <a:p>
+            <a:r>
+              <a:rPr lang="en-GB" sz="1600"/>
               <a:t>Quantitatively, </a:t>
             </a:r>
             <a:r>
-              <a:rPr lang="en-GB" sz="1600" dirty="0" err="1"/>
+              <a:rPr lang="en-GB" sz="1600" err="1"/>
               <a:t>ViLT</a:t>
             </a:r>
             <a:r>
-              <a:rPr lang="en-GB" sz="1600" dirty="0"/>
+              <a:rPr lang="en-GB" sz="1600"/>
               <a:t> demonstrated exceptional performance with 92% accuracy, outperforming ResNet50 (90%) and BERT (82%). While the numbers showcase </a:t>
             </a:r>
             <a:r>
-              <a:rPr lang="en-GB" sz="1600" dirty="0" err="1"/>
+              <a:rPr lang="en-GB" sz="1600" err="1"/>
               <a:t>ViLT's</a:t>
             </a:r>
             <a:r>
-              <a:rPr lang="en-GB" sz="1600" dirty="0"/>
+              <a:rPr lang="en-GB" sz="1600"/>
               <a:t> superiority, qualitative analysis revealed real-world weaknesses in all models, emphasizing the need to consider both qualitative and quantitative aspects.</a:t>
             </a:r>
           </a:p>
           <a:p>
-            <a:endParaRPr lang="en-GB" sz="1600" dirty="0"/>
-          </a:p>
-          <a:p>
-            <a:r>
-              <a:rPr lang="en-GB" sz="1600" dirty="0"/>
+            <a:endParaRPr lang="en-GB" sz="1600"/>
+          </a:p>
+          <a:p>
+            <a:r>
+              <a:rPr lang="en-GB" sz="1600"/>
               <a:t>In conclusion, </a:t>
             </a:r>
             <a:r>
-              <a:rPr lang="en-GB" sz="1600" dirty="0" err="1"/>
+              <a:rPr lang="en-GB" sz="1600" err="1"/>
               <a:t>ViLT</a:t>
             </a:r>
             <a:r>
-              <a:rPr lang="en-GB" sz="1600" dirty="0"/>
+              <a:rPr lang="en-GB" sz="1600"/>
               <a:t> excels in accurate and holistic </a:t>
             </a:r>
             <a:r>
-              <a:rPr lang="en-GB" sz="1600" dirty="0" err="1"/>
+              <a:rPr lang="en-GB" sz="1600" err="1"/>
               <a:t>scenicness</a:t>
             </a:r>
             <a:r>
-              <a:rPr lang="en-GB" sz="1600" dirty="0"/>
+              <a:rPr lang="en-GB" sz="1600"/>
               <a:t> quantification, offering valuable insights and highlighting the importance of comprehensive real-world evaluation."</a:t>
             </a:r>
           </a:p>
@@ -18189,10 +18293,10 @@
           <a:lstStyle/>
           <a:p>
             <a:r>
-              <a:rPr lang="en-GB" sz="4400" b="1" dirty="0"/>
+              <a:rPr lang="en-GB" sz="4400" b="1"/>
               <a:t>Thank you</a:t>
             </a:r>
-            <a:endParaRPr lang="en-US" dirty="0"/>
+            <a:endParaRPr lang="en-US"/>
           </a:p>
         </p:txBody>
       </p:sp>
@@ -18338,7 +18442,7 @@
           <a:p>
             <a:pPr rtl="0"/>
             <a:r>
-              <a:rPr lang="en-GB" dirty="0"/>
+              <a:rPr lang="en-GB"/>
               <a:t>Key Questions</a:t>
             </a:r>
           </a:p>
@@ -18367,7 +18471,7 @@
           </a:xfrm>
         </p:spPr>
         <p:txBody>
-          <a:bodyPr rtlCol="0">
+          <a:bodyPr vert="horz" lIns="91440" tIns="45720" rIns="91440" bIns="45720" rtlCol="0" anchor="t">
             <a:normAutofit/>
           </a:bodyPr>
           <a:lstStyle/>
@@ -18377,15 +18481,27 @@
               <a:buChar char="✨"/>
             </a:pPr>
             <a:r>
-              <a:rPr lang="en-US" sz="2800" dirty="0">
+              <a:rPr lang="en-US" sz="2000">
                 <a:cs typeface="Arial"/>
               </a:rPr>
-              <a:t>How effective are unimodal deep learning models like BERT (for text) and ResNet50 (for images) in classifying landscape scenicness? </a:t>
+              <a:t>How effective are unimodal deep learning models like BERT (for text) and ResNet50 (for images) in classifying landscape </a:t>
+            </a:r>
+            <a:r>
+              <a:rPr lang="en-US" sz="2000" err="1">
+                <a:cs typeface="Arial"/>
+              </a:rPr>
+              <a:t>scenicness</a:t>
+            </a:r>
+            <a:r>
+              <a:rPr lang="en-US" sz="2000">
+                <a:cs typeface="Arial"/>
+              </a:rPr>
+              <a:t>? </a:t>
             </a:r>
             <a:br>
-              <a:rPr lang="en-US" sz="2800" dirty="0"/>
+              <a:rPr lang="en-US" sz="2000"/>
             </a:br>
-            <a:endParaRPr lang="en-US" sz="2800" dirty="0">
+            <a:endParaRPr lang="en-US" sz="2000">
               <a:cs typeface="Calibri"/>
             </a:endParaRPr>
           </a:p>
@@ -18395,24 +18511,36 @@
               <a:buChar char="✨"/>
             </a:pPr>
             <a:r>
-              <a:rPr lang="en-US" sz="2800" dirty="0">
+              <a:rPr lang="en-US" sz="2000">
                 <a:cs typeface="Arial"/>
               </a:rPr>
               <a:t>Can the multimodal </a:t>
             </a:r>
             <a:r>
-              <a:rPr lang="en-US" sz="2800" dirty="0" err="1">
+              <a:rPr lang="en-US" sz="2000" err="1">
                 <a:cs typeface="Arial"/>
               </a:rPr>
               <a:t>ViLT</a:t>
             </a:r>
             <a:r>
-              <a:rPr lang="en-US" sz="2800" dirty="0">
+              <a:rPr lang="en-US" sz="2000">
                 <a:cs typeface="Arial"/>
               </a:rPr>
-              <a:t> model outperform unimodal approaches like ResNet50 for image analysis and BERT for textual analysis in providing more accurate and holistic quantification of landscape scenicness?</a:t>
-            </a:r>
-            <a:endParaRPr lang="en-US" sz="2800" dirty="0">
+              <a:t> model outperform unimodal approaches like ResNet50 for image analysis and BERT for textual analysis in providing more accurate and holistic quantification of landscape </a:t>
+            </a:r>
+            <a:r>
+              <a:rPr lang="en-US" sz="2000" err="1">
+                <a:cs typeface="Arial"/>
+              </a:rPr>
+              <a:t>scenicness</a:t>
+            </a:r>
+            <a:r>
+              <a:rPr lang="en-US" sz="2000">
+                <a:cs typeface="Arial"/>
+              </a:rPr>
+              <a:t>?</a:t>
+            </a:r>
+            <a:endParaRPr lang="en-US" sz="2000">
               <a:cs typeface="Calibri"/>
             </a:endParaRPr>
           </a:p>
@@ -18560,13 +18688,13 @@
           <a:p>
             <a:pPr rtl="0"/>
             <a:r>
-              <a:rPr lang="en-US" dirty="0">
+              <a:rPr lang="en-US">
                 <a:ea typeface="+mj-lt"/>
                 <a:cs typeface="+mj-lt"/>
               </a:rPr>
               <a:t>Data Acquisition &amp; Preprocessing </a:t>
             </a:r>
-            <a:endParaRPr lang="en-GB" dirty="0"/>
+            <a:endParaRPr lang="en-GB"/>
           </a:p>
         </p:txBody>
       </p:sp>
@@ -18603,16 +18731,16 @@
               <a:buChar char="✨"/>
             </a:pPr>
             <a:r>
-              <a:rPr lang="en-US" sz="1600" b="1" dirty="0">
+              <a:rPr lang="en-US" sz="2000" b="1">
                 <a:cs typeface="Calibri"/>
               </a:rPr>
               <a:t>Dataset</a:t>
             </a:r>
             <a:r>
-              <a:rPr lang="en-US" sz="1600" dirty="0">
+              <a:rPr lang="en-US" sz="2000">
                 <a:cs typeface="Calibri"/>
               </a:rPr>
-              <a:t>:  "Scenic or Not" from geograph.org.uk. Contains: ~210,000 landscape images with textual comments and metadata.</a:t>
+              <a:t>:  "Scenic or Not" from geograph.org.uk. Contains: ~210,000 landscape images with textual comments and metadata.</a:t>
             </a:r>
           </a:p>
           <a:p>
@@ -18621,37 +18749,37 @@
               <a:buChar char="✨"/>
             </a:pPr>
             <a:r>
-              <a:rPr lang="en-US" sz="1600" b="1" dirty="0">
+              <a:rPr lang="en-US" sz="2000" b="1">
                 <a:cs typeface="Calibri"/>
               </a:rPr>
               <a:t>Data Integration</a:t>
             </a:r>
             <a:r>
-              <a:rPr lang="en-US" sz="1600" dirty="0">
+              <a:rPr lang="en-US" sz="2000">
                 <a:cs typeface="Calibri"/>
               </a:rPr>
               <a:t>: Harmonization of multiple files: </a:t>
             </a:r>
             <a:r>
-              <a:rPr lang="en-US" sz="1600" dirty="0" err="1">
+              <a:rPr lang="en-US" sz="2000" err="1">
                 <a:cs typeface="Calibri"/>
               </a:rPr>
               <a:t>votes.tsv</a:t>
             </a:r>
             <a:r>
-              <a:rPr lang="en-US" sz="1600" dirty="0">
+              <a:rPr lang="en-US" sz="2000">
                 <a:cs typeface="Calibri"/>
               </a:rPr>
               <a:t>, scenicornot.csv, gridimage_text.csv. Key linking attribute: </a:t>
             </a:r>
             <a:r>
-              <a:rPr lang="en-US" sz="1600" dirty="0" err="1">
+              <a:rPr lang="en-US" sz="2000" err="1">
                 <a:cs typeface="Calibri"/>
               </a:rPr>
               <a:t>gridimage_id</a:t>
             </a:r>
             <a:r>
-              <a:rPr lang="en-US" sz="1600" dirty="0">
+              <a:rPr lang="en-US" sz="2000">
                 <a:cs typeface="Calibri"/>
               </a:rPr>
               <a:t>.</a:t>
@@ -18663,40 +18791,25 @@
               <a:buChar char="✨"/>
             </a:pPr>
             <a:r>
-              <a:rPr lang="en-US" sz="1600" b="1" dirty="0">
+              <a:rPr lang="en-US" sz="2000" b="1">
                 <a:cs typeface="Calibri"/>
               </a:rPr>
               <a:t>Data Integrity</a:t>
             </a:r>
             <a:r>
-              <a:rPr lang="en-US" sz="1600" dirty="0">
+              <a:rPr lang="en-US" sz="2000">
                 <a:cs typeface="Calibri"/>
               </a:rPr>
-              <a:t>: </a:t>
-            </a:r>
-            <a:r>
-              <a:rPr lang="en-US" sz="1600" dirty="0">
-                <a:solidFill>
-                  <a:schemeClr val="bg1"/>
-                </a:solidFill>
-                <a:cs typeface="Calibri"/>
-              </a:rPr>
-              <a:t>Excluded entries with missing </a:t>
-            </a:r>
-            <a:r>
-              <a:rPr lang="en-US" sz="1600" dirty="0" err="1">
-                <a:solidFill>
-                  <a:schemeClr val="bg1"/>
-                </a:solidFill>
+              <a:t>: Excluded entries with missing </a:t>
+            </a:r>
+            <a:r>
+              <a:rPr lang="en-US" sz="2000" err="1">
                 <a:cs typeface="Calibri"/>
               </a:rPr>
               <a:t>Geograph</a:t>
             </a:r>
             <a:r>
-              <a:rPr lang="en-US" sz="1600" dirty="0">
-                <a:solidFill>
-                  <a:schemeClr val="bg1"/>
-                </a:solidFill>
+              <a:rPr lang="en-US" sz="2000">
                 <a:cs typeface="Calibri"/>
               </a:rPr>
               <a:t> URIs or comments.</a:t>
@@ -18708,16 +18821,13 @@
               <a:buChar char="✨"/>
             </a:pPr>
             <a:r>
-              <a:rPr lang="en-US" sz="1600" b="1" dirty="0">
+              <a:rPr lang="en-US" sz="2000" b="1">
                 <a:cs typeface="Calibri"/>
               </a:rPr>
               <a:t>Textual Preprocessing: </a:t>
             </a:r>
             <a:r>
-              <a:rPr lang="en-US" sz="1600" dirty="0">
-                <a:solidFill>
-                  <a:schemeClr val="bg1"/>
-                </a:solidFill>
+              <a:rPr lang="en-US" sz="2000">
                 <a:cs typeface="Calibri"/>
               </a:rPr>
               <a:t>Contraction expansion, HTML tag removal, and lemmatization.</a:t>
@@ -18729,49 +18839,16 @@
               <a:buChar char="✨"/>
             </a:pPr>
             <a:r>
-              <a:rPr lang="en-US" sz="1600" b="1" dirty="0">
+              <a:rPr lang="en-US" sz="2000" b="1">
                 <a:cs typeface="Calibri"/>
               </a:rPr>
-              <a:t>Feature Engineering</a:t>
-            </a:r>
-            <a:r>
-              <a:rPr lang="en-US" sz="1600" dirty="0">
+              <a:t>Outcome</a:t>
+            </a:r>
+            <a:r>
+              <a:rPr lang="en-US" sz="2000">
                 <a:cs typeface="Calibri"/>
               </a:rPr>
-              <a:t>: </a:t>
-            </a:r>
-            <a:r>
-              <a:rPr lang="en-US" sz="1600" dirty="0">
-                <a:solidFill>
-                  <a:schemeClr val="bg1"/>
-                </a:solidFill>
-                <a:cs typeface="Calibri"/>
-              </a:rPr>
-              <a:t>Derived metrics: Average (A) and Variance (V) from voting data for scenicness representation.</a:t>
-            </a:r>
-          </a:p>
-          <a:p>
-            <a:pPr lvl="1"/>
-            <a:r>
-              <a:rPr lang="en-US" sz="1600" dirty="0">
-                <a:solidFill>
-                  <a:schemeClr val="bg1"/>
-                </a:solidFill>
-                <a:cs typeface="Calibri"/>
-              </a:rPr>
-              <a:t>Classification (S) based on A and V:</a:t>
-            </a:r>
-          </a:p>
-          <a:p>
-            <a:pPr lvl="2"/>
-            <a:r>
-              <a:rPr lang="en-US" sz="1600" dirty="0">
-                <a:solidFill>
-                  <a:schemeClr val="bg1"/>
-                </a:solidFill>
-                <a:cs typeface="Calibri"/>
-              </a:rPr>
-              <a:t>S=1 (Scenic), S=0 (Non-scenic), S=2 (Other cases).</a:t>
+              <a:t>: Robust and clean dataset ready for ML models.</a:t>
             </a:r>
           </a:p>
           <a:p>
@@ -18780,25 +18857,7 @@
               <a:buChar char="✨"/>
             </a:pPr>
             <a:r>
-              <a:rPr lang="en-US" sz="1600" b="1" dirty="0">
-                <a:cs typeface="Calibri"/>
-              </a:rPr>
-              <a:t>Outcome</a:t>
-            </a:r>
-            <a:r>
-              <a:rPr lang="en-US" sz="1600" dirty="0">
-                <a:cs typeface="Calibri"/>
-              </a:rPr>
-              <a:t>: Robust and clean dataset ready for ML models.</a:t>
-            </a:r>
-          </a:p>
-          <a:p>
-            <a:pPr marL="171450" indent="-171450">
-              <a:buFont typeface="System Font Regular"/>
-              <a:buChar char="✨"/>
-            </a:pPr>
-            <a:r>
-              <a:rPr lang="en-US" sz="1600" dirty="0">
+              <a:rPr lang="en-US" sz="2000">
                 <a:cs typeface="Calibri"/>
                 <a:hlinkClick r:id="rId4">
                   <a:extLst>
@@ -18810,7 +18869,7 @@
               </a:rPr>
               <a:t>Code is linked here</a:t>
             </a:r>
-            <a:endParaRPr lang="en-US" sz="1600">
+            <a:endParaRPr lang="en-US" sz="2000">
               <a:cs typeface="Calibri"/>
             </a:endParaRPr>
           </a:p>
@@ -18958,13 +19017,13 @@
           <a:p>
             <a:pPr rtl="0"/>
             <a:r>
-              <a:rPr lang="en-US" dirty="0">
+              <a:rPr lang="en-US">
                 <a:ea typeface="+mj-lt"/>
                 <a:cs typeface="+mj-lt"/>
               </a:rPr>
               <a:t>Data Acquisition &amp; Preprocessing </a:t>
             </a:r>
-            <a:endParaRPr lang="en-GB" dirty="0"/>
+            <a:endParaRPr lang="en-GB"/>
           </a:p>
         </p:txBody>
       </p:sp>
@@ -18996,13 +19055,86 @@
           </a:bodyPr>
           <a:lstStyle/>
           <a:p>
+            <a:pPr>
+              <a:buFont typeface="System Font Regular,Sans-Serif"/>
+              <a:buChar char="✨"/>
+            </a:pPr>
+            <a:endParaRPr lang="en-US" sz="1600">
+              <a:cs typeface="Calibri"/>
+            </a:endParaRPr>
+          </a:p>
+          <a:p>
+            <a:pPr marL="171450" indent="-171450">
+              <a:buFont typeface="System Font Regular,Sans-Serif"/>
+              <a:buChar char="✨"/>
+            </a:pPr>
+            <a:r>
+              <a:rPr lang="en-US" sz="2000" b="1">
+                <a:latin typeface="Century Gothic"/>
+                <a:cs typeface="Arial"/>
+              </a:rPr>
+              <a:t>Feature Engineering</a:t>
+            </a:r>
+            <a:r>
+              <a:rPr lang="en-US" sz="2000">
+                <a:latin typeface="Century Gothic"/>
+                <a:cs typeface="Arial"/>
+              </a:rPr>
+              <a:t>: Derived metrics: Average (A), Threshold (T) and Variance (V) from voting data for </a:t>
+            </a:r>
+            <a:r>
+              <a:rPr lang="en-US" sz="2000" err="1">
+                <a:latin typeface="Century Gothic"/>
+                <a:cs typeface="Arial"/>
+              </a:rPr>
+              <a:t>scenicness</a:t>
+            </a:r>
+            <a:r>
+              <a:rPr lang="en-US" sz="2000">
+                <a:latin typeface="Century Gothic"/>
+                <a:cs typeface="Arial"/>
+              </a:rPr>
+              <a:t> representation.</a:t>
+            </a:r>
+          </a:p>
+          <a:p>
+            <a:pPr marL="171450" lvl="1"/>
+            <a:r>
+              <a:rPr lang="en-US" sz="2000">
+                <a:solidFill>
+                  <a:schemeClr val="bg1"/>
+                </a:solidFill>
+                <a:latin typeface="Century Gothic"/>
+                <a:cs typeface="Arial"/>
+              </a:rPr>
+              <a:t>Classification (S) based on A and V:</a:t>
+            </a:r>
+          </a:p>
+          <a:p>
+            <a:pPr marL="628650" lvl="2"/>
+            <a:r>
+              <a:rPr lang="en-US" sz="2000">
+                <a:solidFill>
+                  <a:schemeClr val="bg1"/>
+                </a:solidFill>
+                <a:latin typeface="Century Gothic"/>
+                <a:cs typeface="Arial"/>
+              </a:rPr>
+              <a:t>S=1 (Scenic), S=0 (Non-scenic), S=2 (Other cases).</a:t>
+            </a:r>
+            <a:endParaRPr lang="en-US" sz="2000">
+              <a:solidFill>
+                <a:schemeClr val="bg1"/>
+              </a:solidFill>
+              <a:latin typeface="Century Gothic"/>
+            </a:endParaRPr>
+          </a:p>
+          <a:p>
             <a:pPr marL="171450" indent="-171450">
               <a:buFont typeface="System Font Regular"/>
               <a:buChar char="✨"/>
             </a:pPr>
-            <a:endParaRPr lang="en-US" sz="1600" dirty="0">
-              <a:cs typeface="Calibri"/>
-            </a:endParaRPr>
+            <a:endParaRPr lang="en-US"/>
           </a:p>
         </p:txBody>
       </p:sp>
@@ -19011,7 +19143,7 @@
           <p:cNvPr id="2" name="Picture 1" descr="A black background with white text&#10;&#10;Description automatically generated">
             <a:extLst>
               <a:ext uri="{FF2B5EF4-FFF2-40B4-BE49-F238E27FC236}">
-                <a16:creationId xmlns:a16="http://schemas.microsoft.com/office/drawing/2014/main" id="{4C6D2BA5-0DF1-5614-44C6-B155B9A3BB2A}"/>
+                <a16:creationId xmlns:a16="http://schemas.microsoft.com/office/drawing/2014/main" id="{DDED4679-DE7B-7487-0E28-29A03FA23473}"/>
               </a:ext>
             </a:extLst>
           </p:cNvPr>
@@ -19028,8 +19160,8 @@
         </p:blipFill>
         <p:spPr>
           <a:xfrm>
-            <a:off x="1977724" y="2572136"/>
-            <a:ext cx="6691956" cy="2269781"/>
+            <a:off x="2975179" y="4118833"/>
+            <a:ext cx="5539702" cy="1886048"/>
           </a:xfrm>
           <a:prstGeom prst="rect">
             <a:avLst/>
@@ -19039,7 +19171,7 @@
     </p:spTree>
     <p:extLst>
       <p:ext uri="{BB962C8B-B14F-4D97-AF65-F5344CB8AC3E}">
-        <p14:creationId xmlns:p14="http://schemas.microsoft.com/office/powerpoint/2010/main" val="1254598169"/>
+        <p14:creationId xmlns:p14="http://schemas.microsoft.com/office/powerpoint/2010/main" val="517141107"/>
       </p:ext>
     </p:extLst>
   </p:cSld>
@@ -19178,12 +19310,12 @@
           <a:p>
             <a:pPr rtl="0"/>
             <a:r>
-              <a:rPr lang="en-US" dirty="0">
+              <a:rPr lang="en-US">
                 <a:cs typeface="Calibri Light"/>
               </a:rPr>
               <a:t>Quantitative Analysis Metrics</a:t>
             </a:r>
-            <a:endParaRPr lang="en-GB" dirty="0"/>
+            <a:endParaRPr lang="en-GB"/>
           </a:p>
         </p:txBody>
       </p:sp>
@@ -19219,18 +19351,18 @@
               <a:buNone/>
             </a:pPr>
             <a:r>
-              <a:rPr lang="en-US" sz="1600" dirty="0">
+              <a:rPr lang="en-US" sz="1600">
                 <a:cs typeface="Arial"/>
               </a:rPr>
               <a:t>In assessing our machine learning models, we employed various accuracy metrics, including accuracy, F1-score, precision, and recall.</a:t>
             </a:r>
-            <a:endParaRPr lang="en-US" sz="1600" dirty="0"/>
+            <a:endParaRPr lang="en-US" sz="1600"/>
           </a:p>
           <a:p>
             <a:pPr marL="0" indent="0">
               <a:buNone/>
             </a:pPr>
-            <a:endParaRPr lang="en-US" sz="1600" dirty="0">
+            <a:endParaRPr lang="en-US" sz="1600">
               <a:cs typeface="Arial"/>
             </a:endParaRPr>
           </a:p>
@@ -19240,20 +19372,20 @@
               <a:buChar char="✨"/>
             </a:pPr>
             <a:r>
-              <a:rPr lang="en-US" sz="1600" b="1" dirty="0">
+              <a:rPr lang="en-US" sz="1600" b="1">
                 <a:ea typeface="+mn-lt"/>
                 <a:cs typeface="+mn-lt"/>
               </a:rPr>
               <a:t>F1 Score: </a:t>
             </a:r>
             <a:r>
-              <a:rPr lang="en-US" sz="1600" dirty="0">
+              <a:rPr lang="en-US" sz="1600">
                 <a:ea typeface="+mn-lt"/>
                 <a:cs typeface="+mn-lt"/>
               </a:rPr>
               <a:t>The F1 score is like the harmonious balance in a choir performance. It's the sweet spot where precision and recall harmonize to create a well-rounded and pleasing outcome.</a:t>
             </a:r>
-            <a:endParaRPr lang="en-US" sz="1600" dirty="0">
+            <a:endParaRPr lang="en-US" sz="1600">
               <a:cs typeface="Calibri" panose="020F0502020204030204"/>
             </a:endParaRPr>
           </a:p>
@@ -19263,20 +19395,20 @@
               <a:buChar char="✨"/>
             </a:pPr>
             <a:r>
-              <a:rPr lang="en-US" sz="1600" b="1" dirty="0">
+              <a:rPr lang="en-US" sz="1600" b="1">
                 <a:ea typeface="+mn-lt"/>
                 <a:cs typeface="+mn-lt"/>
               </a:rPr>
               <a:t>Precision: </a:t>
             </a:r>
             <a:r>
-              <a:rPr lang="en-US" sz="1600" dirty="0">
+              <a:rPr lang="en-US" sz="1600">
                 <a:ea typeface="+mn-lt"/>
                 <a:cs typeface="+mn-lt"/>
               </a:rPr>
               <a:t>Precision is like a skilled archer hitting the bullseye. It's about being precise and accurate in hitting the target.</a:t>
             </a:r>
-            <a:endParaRPr lang="en-US" sz="1600" dirty="0">
+            <a:endParaRPr lang="en-US" sz="1600">
               <a:cs typeface="Calibri"/>
             </a:endParaRPr>
           </a:p>
@@ -19286,20 +19418,20 @@
               <a:buChar char="✨"/>
             </a:pPr>
             <a:r>
-              <a:rPr lang="en-US" sz="1600" b="1" dirty="0">
+              <a:rPr lang="en-US" sz="1600" b="1">
                 <a:ea typeface="+mn-lt"/>
                 <a:cs typeface="+mn-lt"/>
               </a:rPr>
               <a:t>Recall: </a:t>
             </a:r>
             <a:r>
-              <a:rPr lang="en-US" sz="1600" dirty="0">
+              <a:rPr lang="en-US" sz="1600">
                 <a:ea typeface="+mn-lt"/>
                 <a:cs typeface="+mn-lt"/>
               </a:rPr>
               <a:t>Recall is like a safety net that catches all the circus performers when they fall. It ensures that nothing or no one is left behind.</a:t>
             </a:r>
-            <a:endParaRPr lang="en-US" sz="1600" dirty="0">
+            <a:endParaRPr lang="en-US" sz="1600">
               <a:cs typeface="Calibri"/>
             </a:endParaRPr>
           </a:p>
@@ -19308,13 +19440,13 @@
               <a:buNone/>
             </a:pPr>
             <a:r>
-              <a:rPr lang="en-US" sz="1600" dirty="0">
+              <a:rPr lang="en-US" sz="1600">
                 <a:ea typeface="+mn-lt"/>
                 <a:cs typeface="+mn-lt"/>
               </a:rPr>
               <a:t>In summary, F1 score, precision, and recall work together in a delicate dance to balance accuracy, completeness, and precision in the model's predictions. They help us understand how well the model performs in identifying positive instances while avoiding false positives and ensuring nothing is overlooked.</a:t>
             </a:r>
-            <a:endParaRPr lang="en-US" sz="1600" dirty="0">
+            <a:endParaRPr lang="en-US" sz="1600">
               <a:cs typeface="Calibri"/>
             </a:endParaRPr>
           </a:p>
@@ -19462,12 +19594,12 @@
           <a:p>
             <a:pPr rtl="0"/>
             <a:r>
-              <a:rPr lang="en-US" dirty="0">
+              <a:rPr lang="en-US">
                 <a:cs typeface="Calibri Light"/>
               </a:rPr>
               <a:t>Qualitative Analysis Metrics</a:t>
             </a:r>
-            <a:endParaRPr lang="en-GB" dirty="0"/>
+            <a:endParaRPr lang="en-GB"/>
           </a:p>
         </p:txBody>
       </p:sp>
@@ -19504,12 +19636,12 @@
               <a:buChar char="✨"/>
             </a:pPr>
             <a:r>
-              <a:rPr lang="en-US" sz="2000" dirty="0">
+              <a:rPr lang="en-US" sz="2000">
                 <a:cs typeface="Arial"/>
               </a:rPr>
               <a:t>We focused on examining the performance of our models on a selection of data points that represent different scenicness levels. We categorized the scenicness levels into four groups based on average scenicness scores:</a:t>
             </a:r>
-            <a:endParaRPr lang="en-US" sz="2000" dirty="0">
+            <a:endParaRPr lang="en-US" sz="2000">
               <a:cs typeface="Calibri" panose="020F0502020204030204"/>
             </a:endParaRPr>
           </a:p>
@@ -19517,7 +19649,7 @@
             <a:pPr marL="0" indent="0">
               <a:buNone/>
             </a:pPr>
-            <a:endParaRPr lang="en-US" sz="2000" dirty="0">
+            <a:endParaRPr lang="en-US" sz="2000">
               <a:cs typeface="Arial"/>
             </a:endParaRPr>
           </a:p>
@@ -19526,12 +19658,12 @@
               <a:buNone/>
             </a:pPr>
             <a:r>
-              <a:rPr lang="en-US" sz="2000" dirty="0">
+              <a:rPr lang="en-US" sz="2000">
                 <a:cs typeface="Arial"/>
               </a:rPr>
               <a:t>1. Highly Scenic (Average: 9.6)</a:t>
             </a:r>
-            <a:endParaRPr lang="en-US" sz="2000" dirty="0">
+            <a:endParaRPr lang="en-US" sz="2000">
               <a:cs typeface="Calibri" panose="020F0502020204030204"/>
             </a:endParaRPr>
           </a:p>
@@ -19540,12 +19672,12 @@
               <a:buNone/>
             </a:pPr>
             <a:r>
-              <a:rPr lang="en-US" sz="2000" dirty="0">
+              <a:rPr lang="en-US" sz="2000">
                 <a:cs typeface="Arial"/>
               </a:rPr>
               <a:t>2. Moderately Scenic (Average: 6.4)</a:t>
             </a:r>
-            <a:endParaRPr lang="en-US" sz="2000" dirty="0">
+            <a:endParaRPr lang="en-US" sz="2000">
               <a:cs typeface="Calibri" panose="020F0502020204030204"/>
             </a:endParaRPr>
           </a:p>
@@ -19554,12 +19686,12 @@
               <a:buNone/>
             </a:pPr>
             <a:r>
-              <a:rPr lang="en-US" sz="2000" dirty="0">
+              <a:rPr lang="en-US" sz="2000">
                 <a:cs typeface="Arial"/>
               </a:rPr>
               <a:t>3. Low Scenic (Average: 2.25)</a:t>
             </a:r>
-            <a:endParaRPr lang="en-US" sz="2000" dirty="0">
+            <a:endParaRPr lang="en-US" sz="2000">
               <a:cs typeface="Calibri" panose="020F0502020204030204"/>
             </a:endParaRPr>
           </a:p>
@@ -19568,7 +19700,7 @@
               <a:buNone/>
             </a:pPr>
             <a:r>
-              <a:rPr lang="en-US" sz="2000" dirty="0">
+              <a:rPr lang="en-US" sz="2000">
                 <a:cs typeface="Arial"/>
               </a:rPr>
               <a:t>4. Very Low Scenic (Average: 1.0)</a:t>
@@ -19578,7 +19710,7 @@
             <a:pPr marL="0" indent="0">
               <a:buNone/>
             </a:pPr>
-            <a:endParaRPr lang="en-US" sz="2000" dirty="0">
+            <a:endParaRPr lang="en-US" sz="2000">
               <a:ea typeface="+mn-lt"/>
               <a:cs typeface="Arial"/>
             </a:endParaRPr>
@@ -19588,7 +19720,7 @@
               <a:buNone/>
             </a:pPr>
             <a:r>
-              <a:rPr lang="en-US" sz="2000" dirty="0">
+              <a:rPr lang="en-US" sz="2000">
                 <a:ea typeface="+mn-lt"/>
                 <a:cs typeface="+mn-lt"/>
               </a:rPr>
@@ -19600,7 +19732,7 @@
               <a:buFont typeface="System Font Regular"/>
               <a:buChar char="✨"/>
             </a:pPr>
-            <a:endParaRPr lang="en-GB" sz="2400" dirty="0"/>
+            <a:endParaRPr lang="en-GB" sz="2400"/>
           </a:p>
         </p:txBody>
       </p:sp>
@@ -19745,7 +19877,7 @@
           <a:lstStyle/>
           <a:p>
             <a:r>
-              <a:rPr lang="en-GB" dirty="0"/>
+              <a:rPr lang="en-GB"/>
               <a:t>BERT </a:t>
             </a:r>
           </a:p>
@@ -19784,20 +19916,27 @@
               <a:buChar char="✨"/>
             </a:pPr>
             <a:r>
-              <a:rPr lang="en-US" dirty="0">
+              <a:rPr lang="en-US">
                 <a:ea typeface="+mn-lt"/>
                 <a:cs typeface="Arial"/>
               </a:rPr>
-              <a:t>The model is “BertForSequenceClassification</a:t>
-            </a:r>
-            <a:r>
-              <a:rPr lang="en-US" dirty="0">
+              <a:t>The model is “</a:t>
+            </a:r>
+            <a:r>
+              <a:rPr lang="en-US" err="1">
+                <a:ea typeface="+mn-lt"/>
+                <a:cs typeface="Arial"/>
+              </a:rPr>
+              <a:t>BertForSequenceClassification</a:t>
+            </a:r>
+            <a:r>
+              <a:rPr lang="en-US">
                 <a:ea typeface="+mn-lt"/>
                 <a:cs typeface="+mn-lt"/>
               </a:rPr>
               <a:t>”, Bert-Base-Uncased” treats uppercase and lowercase letters the same way.</a:t>
             </a:r>
-            <a:endParaRPr lang="en-US" dirty="0">
+            <a:endParaRPr lang="en-US">
               <a:cs typeface="Calibri"/>
             </a:endParaRPr>
           </a:p>
@@ -19807,7 +19946,7 @@
               <a:buChar char="✨"/>
             </a:pPr>
             <a:r>
-              <a:rPr lang="en-US" dirty="0">
+              <a:rPr lang="en-US">
                 <a:ea typeface="+mn-lt"/>
                 <a:cs typeface="+mn-lt"/>
               </a:rPr>
@@ -19820,11 +19959,25 @@
               <a:buChar char="✨"/>
             </a:pPr>
             <a:r>
-              <a:rPr lang="en-US" dirty="0">
+              <a:rPr lang="en-US">
                 <a:ea typeface="+mn-lt"/>
                 <a:cs typeface="+mn-lt"/>
               </a:rPr>
-              <a:t>BERT consists of a stack of 12 layers (0-11), each containing a “BertLayer.” These layers work together to refine the representations of words through self-attention.</a:t>
+              <a:t>BERT consists of a stack of 12 layers (0-11), each containing a “</a:t>
+            </a:r>
+            <a:r>
+              <a:rPr lang="en-US" err="1">
+                <a:ea typeface="+mn-lt"/>
+                <a:cs typeface="+mn-lt"/>
+              </a:rPr>
+              <a:t>BertLayer</a:t>
+            </a:r>
+            <a:r>
+              <a:rPr lang="en-US">
+                <a:ea typeface="+mn-lt"/>
+                <a:cs typeface="+mn-lt"/>
+              </a:rPr>
+              <a:t>.” These layers work together to refine the representations of words through self-attention.</a:t>
             </a:r>
           </a:p>
           <a:p>
@@ -19833,28 +19986,26 @@
               <a:buChar char="✨"/>
             </a:pPr>
             <a:r>
-              <a:rPr lang="en-US" dirty="0">
+              <a:rPr lang="en-US">
                 <a:ea typeface="+mn-lt"/>
                 <a:cs typeface="+mn-lt"/>
               </a:rPr>
-              <a:t>Inside each “BertLayer,” a self-attention mechanism helps sequences relate to each other. It involves linear transformations (query, key, and value) and dropout for regularization.</a:t>
-            </a:r>
-          </a:p>
-          <a:p>
-            <a:pPr marL="285750" indent="-285750" algn="l">
-              <a:buFont typeface="System Font Regular"/>
-              <a:buChar char="✨"/>
-            </a:pPr>
-            <a:r>
-              <a:rPr lang="en-US" dirty="0">
+              <a:t>Inside each “</a:t>
+            </a:r>
+            <a:r>
+              <a:rPr lang="en-US" err="1">
                 <a:ea typeface="+mn-lt"/>
                 <a:cs typeface="+mn-lt"/>
               </a:rPr>
-              <a:t>BERT uses the GELU (Gaussian Error Linear Unit) activation function</a:t>
-            </a:r>
-            <a:endParaRPr lang="en-US" dirty="0">
-              <a:cs typeface="Calibri"/>
-            </a:endParaRPr>
+              <a:t>BertLayer</a:t>
+            </a:r>
+            <a:r>
+              <a:rPr lang="en-US">
+                <a:ea typeface="+mn-lt"/>
+                <a:cs typeface="+mn-lt"/>
+              </a:rPr>
+              <a:t>,” a self-attention mechanism helps sequences relate to each other. It involves linear transformations (query, key, and value) and dropout for regularization.</a:t>
+            </a:r>
           </a:p>
           <a:p>
             <a:pPr marL="285750" indent="-285750">
@@ -19862,7 +20013,20 @@
               <a:buChar char="✨"/>
             </a:pPr>
             <a:r>
-              <a:rPr lang="en-US" dirty="0">
+              <a:rPr lang="en-US">
+                <a:ea typeface="+mn-lt"/>
+                <a:cs typeface="+mn-lt"/>
+              </a:rPr>
+              <a:t>BERT uses the GELU (Gaussian Error Linear Unit) activation function in Bert Layers, Tanh in final pooling layer.</a:t>
+            </a:r>
+          </a:p>
+          <a:p>
+            <a:pPr marL="285750" indent="-285750">
+              <a:buFont typeface="System Font Regular"/>
+              <a:buChar char="✨"/>
+            </a:pPr>
+            <a:r>
+              <a:rPr lang="en-US">
                 <a:cs typeface="Calibri"/>
                 <a:hlinkClick r:id="rId4">
                   <a:extLst>
@@ -19875,7 +20039,7 @@
               <a:t>Code is linked here</a:t>
             </a:r>
             <a:endParaRPr lang="en-US">
-              <a:hlinkClick r:id="">
+              <a:hlinkClick r:id="" action="ppaction://noaction">
                 <a:extLst>
                   <a:ext uri="{A12FA001-AC4F-418D-AE19-62706E023703}">
                     <ahyp:hlinkClr xmlns:ahyp="http://schemas.microsoft.com/office/drawing/2018/hyperlinkcolor" val="tx"/>
@@ -19883,13 +20047,6 @@
                 </a:extLst>
               </a:hlinkClick>
             </a:endParaRPr>
-          </a:p>
-          <a:p>
-            <a:pPr marL="285750" indent="-285750">
-              <a:buFont typeface="System Font Regular"/>
-              <a:buChar char="✨"/>
-            </a:pPr>
-            <a:endParaRPr lang="en-GB" sz="2400" dirty="0"/>
           </a:p>
         </p:txBody>
       </p:sp>
@@ -20035,12 +20192,12 @@
           <a:p>
             <a:pPr rtl="0"/>
             <a:r>
-              <a:rPr lang="en-US" dirty="0">
+              <a:rPr lang="en-US">
                 <a:cs typeface="Calibri Light"/>
               </a:rPr>
               <a:t>Quantitative Results BERT</a:t>
             </a:r>
-            <a:endParaRPr lang="en-GB" dirty="0"/>
+            <a:endParaRPr lang="en-GB"/>
           </a:p>
         </p:txBody>
       </p:sp>
@@ -20083,7 +20240,7 @@
               <a:buChar char="✨"/>
             </a:pPr>
             <a:r>
-              <a:rPr lang="en-US" sz="2000" dirty="0">
+              <a:rPr lang="en-US" sz="2000">
                 <a:cs typeface="Calibri" panose="020F0502020204030204"/>
               </a:rPr>
               <a:t>F1 scores indicate that the model is performing slightly better in terms of a balance between precision and recall for Class 1.</a:t>
@@ -20101,7 +20258,7 @@
               <a:buChar char="✨"/>
             </a:pPr>
             <a:r>
-              <a:rPr lang="en-US" sz="2000" dirty="0">
+              <a:rPr lang="en-US" sz="2000">
                 <a:cs typeface="Calibri" panose="020F0502020204030204"/>
               </a:rPr>
               <a:t>The F1 scores for both classes are relatively close to each other (0.81 for Class 0 and 0.82 for Class 1). This suggests that the model is achieving a balanced performance.</a:t>
@@ -20119,7 +20276,7 @@
               <a:buChar char="✨"/>
             </a:pPr>
             <a:r>
-              <a:rPr lang="en-US" sz="2000" dirty="0">
+              <a:rPr lang="en-US" sz="2000">
                 <a:cs typeface="Calibri" panose="020F0502020204030204"/>
               </a:rPr>
               <a:t>An F1 score in the range of 0.8 is often considered a good performance in binary classification tasks. It indicates that the model is effective at both making accurate positive predictions (precision) and capturing actual positive instances (recall) for both classes.</a:t>
@@ -20329,13 +20486,13 @@
           <a:p>
             <a:pPr rtl="0"/>
             <a:r>
-              <a:rPr lang="en-US" dirty="0">
+              <a:rPr lang="en-US">
                 <a:ea typeface="+mj-lt"/>
                 <a:cs typeface="+mj-lt"/>
               </a:rPr>
               <a:t>Qualitative Results BERT</a:t>
             </a:r>
-            <a:endParaRPr lang="en-GB" dirty="0"/>
+            <a:endParaRPr lang="en-GB"/>
           </a:p>
         </p:txBody>
       </p:sp>
@@ -20378,7 +20535,7 @@
               <a:buChar char="✨"/>
             </a:pPr>
             <a:r>
-              <a:rPr lang="en-US" sz="2000" dirty="0">
+              <a:rPr lang="en-US" sz="2000">
                 <a:ea typeface="+mn-lt"/>
                 <a:cs typeface="+mn-lt"/>
               </a:rPr>
@@ -20397,13 +20554,13 @@
               <a:buChar char="✨"/>
             </a:pPr>
             <a:r>
-              <a:rPr lang="en-US" sz="2000" dirty="0">
+              <a:rPr lang="en-US" sz="2000">
                 <a:ea typeface="+mn-lt"/>
                 <a:cs typeface="+mn-lt"/>
               </a:rPr>
               <a:t>This suggests that the model may need to improve its understanding of context or specific phrases. Also, the model made a mistake by thinking a 'Low Scenic' scene was positive, which shows it needs to understand the context better.</a:t>
             </a:r>
-            <a:endParaRPr lang="en-US" sz="2000" dirty="0">
+            <a:endParaRPr lang="en-US" sz="2000">
               <a:cs typeface="Calibri" panose="020F0502020204030204"/>
             </a:endParaRPr>
           </a:p>
